--- a/ppts/5_hypothesis_testing.pptx
+++ b/ppts/5_hypothesis_testing.pptx
@@ -8,28 +8,26 @@
     <p:sldMasterId id="2147483692" r:id="rId4"/>
   </p:sldMasterIdLst>
   <p:notesMasterIdLst>
-    <p:notesMasterId r:id="rId24"/>
+    <p:notesMasterId r:id="rId22"/>
   </p:notesMasterIdLst>
   <p:sldIdLst>
     <p:sldId id="256" r:id="rId5"/>
-    <p:sldId id="381" r:id="rId6"/>
-    <p:sldId id="257" r:id="rId7"/>
-    <p:sldId id="382" r:id="rId8"/>
-    <p:sldId id="403" r:id="rId9"/>
-    <p:sldId id="386" r:id="rId10"/>
-    <p:sldId id="383" r:id="rId11"/>
-    <p:sldId id="384" r:id="rId12"/>
-    <p:sldId id="385" r:id="rId13"/>
-    <p:sldId id="387" r:id="rId14"/>
-    <p:sldId id="388" r:id="rId15"/>
-    <p:sldId id="389" r:id="rId16"/>
-    <p:sldId id="390" r:id="rId17"/>
-    <p:sldId id="404" r:id="rId18"/>
-    <p:sldId id="405" r:id="rId19"/>
-    <p:sldId id="391" r:id="rId20"/>
-    <p:sldId id="392" r:id="rId21"/>
-    <p:sldId id="292" r:id="rId22"/>
-    <p:sldId id="353" r:id="rId23"/>
+    <p:sldId id="257" r:id="rId6"/>
+    <p:sldId id="403" r:id="rId7"/>
+    <p:sldId id="386" r:id="rId8"/>
+    <p:sldId id="383" r:id="rId9"/>
+    <p:sldId id="384" r:id="rId10"/>
+    <p:sldId id="385" r:id="rId11"/>
+    <p:sldId id="387" r:id="rId12"/>
+    <p:sldId id="388" r:id="rId13"/>
+    <p:sldId id="389" r:id="rId14"/>
+    <p:sldId id="390" r:id="rId15"/>
+    <p:sldId id="404" r:id="rId16"/>
+    <p:sldId id="405" r:id="rId17"/>
+    <p:sldId id="391" r:id="rId18"/>
+    <p:sldId id="392" r:id="rId19"/>
+    <p:sldId id="292" r:id="rId20"/>
+    <p:sldId id="353" r:id="rId21"/>
   </p:sldIdLst>
   <p:sldSz cx="12192000" cy="6858000"/>
   <p:notesSz cx="6858000" cy="9144000"/>
@@ -230,7 +228,7 @@
             <a:fld id="{2FE5A8BE-F54B-40BC-8972-325E59CDB8F3}" type="datetimeFigureOut">
               <a:rPr lang="en-US" smtClean="0"/>
               <a:pPr/>
-              <a:t>9/6/17</a:t>
+              <a:t>9/13/17</a:t>
             </a:fld>
             <a:endParaRPr lang="en-US" dirty="0"/>
           </a:p>
@@ -526,12 +524,7 @@
             <p:ph type="sldImg"/>
           </p:nvPr>
         </p:nvSpPr>
-        <p:spPr>
-          <a:xfrm>
-            <a:off x="381000" y="685800"/>
-            <a:ext cx="6096000" cy="3429000"/>
-          </a:xfrm>
-        </p:spPr>
+        <p:spPr/>
       </p:sp>
       <p:sp>
         <p:nvSpPr>
@@ -550,71 +543,22 @@
           <a:p>
             <a:r>
               <a:rPr lang="en-US" dirty="0" smtClean="0"/>
-              <a:t>We take a sample of N=100</a:t>
-            </a:r>
-            <a:r>
-              <a:rPr lang="en-US" baseline="0" dirty="0" smtClean="0"/>
-              <a:t> gas stations in </a:t>
-            </a:r>
-            <a:r>
-              <a:rPr lang="en-US" baseline="0" dirty="0" err="1" smtClean="0"/>
-              <a:t>california</a:t>
-            </a:r>
-            <a:r>
-              <a:rPr lang="en-US" baseline="0" dirty="0" smtClean="0"/>
-              <a:t> and compare that to the national gas average.</a:t>
-            </a:r>
-          </a:p>
-          <a:p>
-            <a:r>
-              <a:rPr lang="en-US" baseline="0" dirty="0" smtClean="0"/>
-              <a:t>We find that price in </a:t>
-            </a:r>
-            <a:r>
-              <a:rPr lang="en-US" baseline="0" dirty="0" err="1" smtClean="0"/>
-              <a:t>california</a:t>
-            </a:r>
-            <a:r>
-              <a:rPr lang="en-US" baseline="0" dirty="0" smtClean="0"/>
-              <a:t> sample is 3.90 and the average national is 3.53</a:t>
-            </a:r>
-          </a:p>
-          <a:p>
-            <a:r>
-              <a:rPr lang="en-US" baseline="0" dirty="0" smtClean="0"/>
-              <a:t>Is this diff large enough to convince us that the sample from </a:t>
-            </a:r>
-            <a:r>
-              <a:rPr lang="en-US" baseline="0" dirty="0" err="1" smtClean="0"/>
-              <a:t>california</a:t>
-            </a:r>
-            <a:r>
-              <a:rPr lang="en-US" baseline="0" dirty="0" smtClean="0"/>
-              <a:t> is non-representative?</a:t>
-            </a:r>
-          </a:p>
-          <a:p>
-            <a:r>
-              <a:rPr lang="en-US" baseline="0" dirty="0" smtClean="0"/>
-              <a:t>This diff can mean two things 1) that the average price in </a:t>
-            </a:r>
-            <a:r>
-              <a:rPr lang="en-US" baseline="0" dirty="0" err="1" smtClean="0"/>
-              <a:t>california</a:t>
-            </a:r>
-            <a:r>
-              <a:rPr lang="en-US" baseline="0" dirty="0" smtClean="0"/>
-              <a:t> is actually higher, or 2) the average price in </a:t>
-            </a:r>
-            <a:r>
-              <a:rPr lang="en-US" baseline="0" dirty="0" err="1" smtClean="0"/>
-              <a:t>california</a:t>
-            </a:r>
-            <a:r>
-              <a:rPr lang="en-US" baseline="0" dirty="0" smtClean="0"/>
-              <a:t> is about the same as national average, but the sample has a high mean</a:t>
-            </a:r>
-            <a:endParaRPr lang="en-US" dirty="0"/>
+              <a:t>Assumptions (that must be met)</a:t>
+            </a:r>
+          </a:p>
+          <a:p>
+            <a:pPr lvl="1"/>
+            <a:r>
+              <a:rPr lang="en-US" dirty="0" smtClean="0"/>
+              <a:t>The sample was randomly selected</a:t>
+            </a:r>
+          </a:p>
+          <a:p>
+            <a:pPr lvl="1"/>
+            <a:r>
+              <a:rPr lang="en-US" dirty="0" smtClean="0"/>
+              <a:t>The sample is normally distributed (assumed if sample is N&gt;50)</a:t>
+            </a:r>
           </a:p>
         </p:txBody>
       </p:sp>
@@ -645,7 +589,7 @@
     </p:spTree>
     <p:extLst>
       <p:ext uri="{BB962C8B-B14F-4D97-AF65-F5344CB8AC3E}">
-        <p14:creationId xmlns:p14="http://schemas.microsoft.com/office/powerpoint/2010/main" val="2011394052"/>
+        <p14:creationId xmlns:p14="http://schemas.microsoft.com/office/powerpoint/2010/main" val="611294375"/>
       </p:ext>
     </p:extLst>
   </p:cSld>
@@ -800,7 +744,7 @@
             <a:fld id="{2FB68F5D-7434-4989-8564-166DEB06CF46}" type="slidenum">
               <a:rPr lang="en-US" smtClean="0"/>
               <a:pPr/>
-              <a:t>17</a:t>
+              <a:t>15</a:t>
             </a:fld>
             <a:endParaRPr lang="en-US" dirty="0"/>
           </a:p>
@@ -930,7 +874,7 @@
             <a:fld id="{2FB68F5D-7434-4989-8564-166DEB06CF46}" type="slidenum">
               <a:rPr lang="en-US" smtClean="0"/>
               <a:pPr/>
-              <a:t>18</a:t>
+              <a:t>16</a:t>
             </a:fld>
             <a:endParaRPr lang="en-US" dirty="0"/>
           </a:p>
@@ -1028,7 +972,7 @@
             <a:fld id="{2FB68F5D-7434-4989-8564-166DEB06CF46}" type="slidenum">
               <a:rPr lang="en-US" smtClean="0"/>
               <a:pPr/>
-              <a:t>19</a:t>
+              <a:t>17</a:t>
             </a:fld>
             <a:endParaRPr lang="en-US" dirty="0"/>
           </a:p>
@@ -1134,7 +1078,7 @@
             <a:fld id="{2FB68F5D-7434-4989-8564-166DEB06CF46}" type="slidenum">
               <a:rPr lang="en-US" smtClean="0"/>
               <a:pPr/>
-              <a:t>6</a:t>
+              <a:t>4</a:t>
             </a:fld>
             <a:endParaRPr lang="en-US" dirty="0"/>
           </a:p>
@@ -1224,7 +1168,7 @@
             <a:fld id="{2FB68F5D-7434-4989-8564-166DEB06CF46}" type="slidenum">
               <a:rPr lang="en-US" smtClean="0"/>
               <a:pPr/>
-              <a:t>7</a:t>
+              <a:t>5</a:t>
             </a:fld>
             <a:endParaRPr lang="en-US" dirty="0"/>
           </a:p>
@@ -1314,7 +1258,7 @@
             <a:fld id="{2FB68F5D-7434-4989-8564-166DEB06CF46}" type="slidenum">
               <a:rPr lang="en-US" smtClean="0"/>
               <a:pPr/>
-              <a:t>8</a:t>
+              <a:t>6</a:t>
             </a:fld>
             <a:endParaRPr lang="en-US" dirty="0"/>
           </a:p>
@@ -1412,7 +1356,7 @@
             <a:fld id="{2FB68F5D-7434-4989-8564-166DEB06CF46}" type="slidenum">
               <a:rPr lang="en-US" smtClean="0"/>
               <a:pPr/>
-              <a:t>9</a:t>
+              <a:t>7</a:t>
             </a:fld>
             <a:endParaRPr lang="en-US" dirty="0"/>
           </a:p>
@@ -1502,7 +1446,7 @@
             <a:fld id="{2FB68F5D-7434-4989-8564-166DEB06CF46}" type="slidenum">
               <a:rPr lang="en-US" smtClean="0"/>
               <a:pPr/>
-              <a:t>12</a:t>
+              <a:t>10</a:t>
             </a:fld>
             <a:endParaRPr lang="en-US" dirty="0"/>
           </a:p>
@@ -1592,7 +1536,7 @@
             <a:fld id="{2FB68F5D-7434-4989-8564-166DEB06CF46}" type="slidenum">
               <a:rPr lang="en-US" smtClean="0"/>
               <a:pPr/>
-              <a:t>13</a:t>
+              <a:t>11</a:t>
             </a:fld>
             <a:endParaRPr lang="en-US" dirty="0"/>
           </a:p>
@@ -1682,7 +1626,7 @@
             <a:fld id="{2FB68F5D-7434-4989-8564-166DEB06CF46}" type="slidenum">
               <a:rPr lang="en-US" smtClean="0"/>
               <a:pPr/>
-              <a:t>14</a:t>
+              <a:t>12</a:t>
             </a:fld>
             <a:endParaRPr lang="en-US" dirty="0"/>
           </a:p>
@@ -1858,7 +1802,7 @@
             <a:fld id="{2FB68F5D-7434-4989-8564-166DEB06CF46}" type="slidenum">
               <a:rPr lang="en-US" smtClean="0"/>
               <a:pPr/>
-              <a:t>16</a:t>
+              <a:t>14</a:t>
             </a:fld>
             <a:endParaRPr lang="en-US" dirty="0"/>
           </a:p>
@@ -2059,7 +2003,7 @@
             <a:fld id="{D2D9375A-EECF-AC4A-9997-00D00C8B65AD}" type="datetimeFigureOut">
               <a:rPr lang="en-US" smtClean="0"/>
               <a:pPr/>
-              <a:t>9/6/17</a:t>
+              <a:t>9/13/17</a:t>
             </a:fld>
             <a:endParaRPr lang="en-US" dirty="0"/>
           </a:p>
@@ -2303,7 +2247,7 @@
             <a:fld id="{9E955210-1050-5546-9F10-C922A94AA704}" type="datetimeFigureOut">
               <a:rPr lang="en-US" smtClean="0"/>
               <a:pPr/>
-              <a:t>9/6/17</a:t>
+              <a:t>9/13/17</a:t>
             </a:fld>
             <a:endParaRPr lang="en-US" dirty="0"/>
           </a:p>
@@ -2485,7 +2429,7 @@
             <a:fld id="{9E955210-1050-5546-9F10-C922A94AA704}" type="datetimeFigureOut">
               <a:rPr lang="en-US" smtClean="0"/>
               <a:pPr/>
-              <a:t>9/6/17</a:t>
+              <a:t>9/13/17</a:t>
             </a:fld>
             <a:endParaRPr lang="en-US" dirty="0"/>
           </a:p>
@@ -2733,7 +2677,7 @@
             <a:fld id="{9E955210-1050-5546-9F10-C922A94AA704}" type="datetimeFigureOut">
               <a:rPr lang="en-US" smtClean="0"/>
               <a:pPr/>
-              <a:t>9/6/17</a:t>
+              <a:t>9/13/17</a:t>
             </a:fld>
             <a:endParaRPr lang="en-US" dirty="0"/>
           </a:p>
@@ -3023,7 +2967,7 @@
             <a:fld id="{9E955210-1050-5546-9F10-C922A94AA704}" type="datetimeFigureOut">
               <a:rPr lang="en-US" smtClean="0"/>
               <a:pPr/>
-              <a:t>9/6/17</a:t>
+              <a:t>9/13/17</a:t>
             </a:fld>
             <a:endParaRPr lang="en-US" dirty="0"/>
           </a:p>
@@ -3447,7 +3391,7 @@
             <a:fld id="{9E955210-1050-5546-9F10-C922A94AA704}" type="datetimeFigureOut">
               <a:rPr lang="en-US" smtClean="0"/>
               <a:pPr/>
-              <a:t>9/6/17</a:t>
+              <a:t>9/13/17</a:t>
             </a:fld>
             <a:endParaRPr lang="en-US" dirty="0"/>
           </a:p>
@@ -3567,7 +3511,7 @@
             <a:fld id="{9E955210-1050-5546-9F10-C922A94AA704}" type="datetimeFigureOut">
               <a:rPr lang="en-US" smtClean="0"/>
               <a:pPr/>
-              <a:t>9/6/17</a:t>
+              <a:t>9/13/17</a:t>
             </a:fld>
             <a:endParaRPr lang="en-US" dirty="0"/>
           </a:p>
@@ -3664,7 +3608,7 @@
             <a:fld id="{9E955210-1050-5546-9F10-C922A94AA704}" type="datetimeFigureOut">
               <a:rPr lang="en-US" smtClean="0"/>
               <a:pPr/>
-              <a:t>9/6/17</a:t>
+              <a:t>9/13/17</a:t>
             </a:fld>
             <a:endParaRPr lang="en-US" dirty="0"/>
           </a:p>
@@ -3943,7 +3887,7 @@
             <a:fld id="{9E955210-1050-5546-9F10-C922A94AA704}" type="datetimeFigureOut">
               <a:rPr lang="en-US" smtClean="0"/>
               <a:pPr/>
-              <a:t>9/6/17</a:t>
+              <a:t>9/13/17</a:t>
             </a:fld>
             <a:endParaRPr lang="en-US" dirty="0"/>
           </a:p>
@@ -4202,7 +4146,7 @@
             <a:fld id="{9E955210-1050-5546-9F10-C922A94AA704}" type="datetimeFigureOut">
               <a:rPr lang="en-US" smtClean="0"/>
               <a:pPr/>
-              <a:t>9/6/17</a:t>
+              <a:t>9/13/17</a:t>
             </a:fld>
             <a:endParaRPr lang="en-US" dirty="0"/>
           </a:p>
@@ -4578,7 +4522,7 @@
             <a:fld id="{9E955210-1050-5546-9F10-C922A94AA704}" type="datetimeFigureOut">
               <a:rPr lang="en-US" smtClean="0"/>
               <a:pPr/>
-              <a:t>9/6/17</a:t>
+              <a:t>9/13/17</a:t>
             </a:fld>
             <a:endParaRPr lang="en-US" dirty="0"/>
           </a:p>
@@ -4781,7 +4725,7 @@
             <a:fld id="{D2D9375A-EECF-AC4A-9997-00D00C8B65AD}" type="datetimeFigureOut">
               <a:rPr lang="en-US" smtClean="0"/>
               <a:pPr/>
-              <a:t>9/6/17</a:t>
+              <a:t>9/13/17</a:t>
             </a:fld>
             <a:endParaRPr lang="en-US" dirty="0"/>
           </a:p>
@@ -5005,7 +4949,7 @@
             <a:fld id="{9E955210-1050-5546-9F10-C922A94AA704}" type="datetimeFigureOut">
               <a:rPr lang="en-US" smtClean="0"/>
               <a:pPr/>
-              <a:t>9/6/17</a:t>
+              <a:t>9/13/17</a:t>
             </a:fld>
             <a:endParaRPr lang="en-US" dirty="0"/>
           </a:p>
@@ -5389,7 +5333,7 @@
             <a:fld id="{9E955210-1050-5546-9F10-C922A94AA704}" type="datetimeFigureOut">
               <a:rPr lang="en-US" smtClean="0"/>
               <a:pPr/>
-              <a:t>9/6/17</a:t>
+              <a:t>9/13/17</a:t>
             </a:fld>
             <a:endParaRPr lang="en-US" dirty="0"/>
           </a:p>
@@ -5710,7 +5654,7 @@
             <a:fld id="{9E955210-1050-5546-9F10-C922A94AA704}" type="datetimeFigureOut">
               <a:rPr lang="en-US" smtClean="0"/>
               <a:pPr/>
-              <a:t>9/6/17</a:t>
+              <a:t>9/13/17</a:t>
             </a:fld>
             <a:endParaRPr lang="en-US" dirty="0"/>
           </a:p>
@@ -6104,7 +6048,7 @@
             <a:fld id="{9E955210-1050-5546-9F10-C922A94AA704}" type="datetimeFigureOut">
               <a:rPr lang="en-US" smtClean="0"/>
               <a:pPr/>
-              <a:t>9/6/17</a:t>
+              <a:t>9/13/17</a:t>
             </a:fld>
             <a:endParaRPr lang="en-US" dirty="0"/>
           </a:p>
@@ -6231,7 +6175,7 @@
             <a:fld id="{9E955210-1050-5546-9F10-C922A94AA704}" type="datetimeFigureOut">
               <a:rPr lang="en-US" smtClean="0"/>
               <a:pPr/>
-              <a:t>9/6/17</a:t>
+              <a:t>9/13/17</a:t>
             </a:fld>
             <a:endParaRPr lang="en-US" dirty="0"/>
           </a:p>
@@ -6335,7 +6279,7 @@
             <a:fld id="{9E955210-1050-5546-9F10-C922A94AA704}" type="datetimeFigureOut">
               <a:rPr lang="en-US" smtClean="0"/>
               <a:pPr/>
-              <a:t>9/6/17</a:t>
+              <a:t>9/13/17</a:t>
             </a:fld>
             <a:endParaRPr lang="en-US" dirty="0"/>
           </a:p>
@@ -6612,7 +6556,7 @@
             <a:fld id="{9E955210-1050-5546-9F10-C922A94AA704}" type="datetimeFigureOut">
               <a:rPr lang="en-US" smtClean="0"/>
               <a:pPr/>
-              <a:t>9/6/17</a:t>
+              <a:t>9/13/17</a:t>
             </a:fld>
             <a:endParaRPr lang="en-US" dirty="0"/>
           </a:p>
@@ -7076,7 +7020,7 @@
             <a:fld id="{9E955210-1050-5546-9F10-C922A94AA704}" type="datetimeFigureOut">
               <a:rPr lang="en-US" smtClean="0"/>
               <a:pPr/>
-              <a:t>9/6/17</a:t>
+              <a:t>9/13/17</a:t>
             </a:fld>
             <a:endParaRPr lang="en-US" dirty="0"/>
           </a:p>
@@ -7265,7 +7209,7 @@
             <a:fld id="{9E955210-1050-5546-9F10-C922A94AA704}" type="datetimeFigureOut">
               <a:rPr lang="en-US" smtClean="0"/>
               <a:pPr/>
-              <a:t>9/6/17</a:t>
+              <a:t>9/13/17</a:t>
             </a:fld>
             <a:endParaRPr lang="en-US" dirty="0"/>
           </a:p>
@@ -7618,7 +7562,7 @@
             <a:fld id="{9E955210-1050-5546-9F10-C922A94AA704}" type="datetimeFigureOut">
               <a:rPr lang="en-US" smtClean="0"/>
               <a:pPr/>
-              <a:t>9/6/17</a:t>
+              <a:t>9/13/17</a:t>
             </a:fld>
             <a:endParaRPr lang="en-US" dirty="0"/>
           </a:p>
@@ -7879,7 +7823,7 @@
             <a:fld id="{D2D9375A-EECF-AC4A-9997-00D00C8B65AD}" type="datetimeFigureOut">
               <a:rPr lang="en-US" smtClean="0"/>
               <a:pPr/>
-              <a:t>9/6/17</a:t>
+              <a:t>9/13/17</a:t>
             </a:fld>
             <a:endParaRPr lang="en-US" dirty="0"/>
           </a:p>
@@ -8255,7 +8199,7 @@
             <a:fld id="{9E955210-1050-5546-9F10-C922A94AA704}" type="datetimeFigureOut">
               <a:rPr lang="en-US" smtClean="0"/>
               <a:pPr/>
-              <a:t>9/6/17</a:t>
+              <a:t>9/13/17</a:t>
             </a:fld>
             <a:endParaRPr lang="en-US" dirty="0"/>
           </a:p>
@@ -8476,7 +8420,7 @@
             <a:fld id="{9E955210-1050-5546-9F10-C922A94AA704}" type="datetimeFigureOut">
               <a:rPr lang="en-US" smtClean="0"/>
               <a:pPr/>
-              <a:t>9/6/17</a:t>
+              <a:t>9/13/17</a:t>
             </a:fld>
             <a:endParaRPr lang="en-US" dirty="0"/>
           </a:p>
@@ -8832,7 +8776,7 @@
             <a:fld id="{9E955210-1050-5546-9F10-C922A94AA704}" type="datetimeFigureOut">
               <a:rPr lang="en-US" smtClean="0"/>
               <a:pPr/>
-              <a:t>9/6/17</a:t>
+              <a:t>9/13/17</a:t>
             </a:fld>
             <a:endParaRPr lang="en-US" dirty="0"/>
           </a:p>
@@ -9125,7 +9069,7 @@
             <a:fld id="{9E955210-1050-5546-9F10-C922A94AA704}" type="datetimeFigureOut">
               <a:rPr lang="en-US" smtClean="0"/>
               <a:pPr/>
-              <a:t>9/6/17</a:t>
+              <a:t>9/13/17</a:t>
             </a:fld>
             <a:endParaRPr lang="en-US" dirty="0"/>
           </a:p>
@@ -9507,7 +9451,7 @@
             <a:fld id="{9E955210-1050-5546-9F10-C922A94AA704}" type="datetimeFigureOut">
               <a:rPr lang="en-US" smtClean="0"/>
               <a:pPr/>
-              <a:t>9/6/17</a:t>
+              <a:t>9/13/17</a:t>
             </a:fld>
             <a:endParaRPr lang="en-US" dirty="0"/>
           </a:p>
@@ -9606,7 +9550,7 @@
             <a:fld id="{9E955210-1050-5546-9F10-C922A94AA704}" type="datetimeFigureOut">
               <a:rPr lang="en-US" smtClean="0"/>
               <a:pPr/>
-              <a:t>9/6/17</a:t>
+              <a:t>9/13/17</a:t>
             </a:fld>
             <a:endParaRPr lang="en-US" dirty="0"/>
           </a:p>
@@ -9682,7 +9626,7 @@
             <a:fld id="{9E955210-1050-5546-9F10-C922A94AA704}" type="datetimeFigureOut">
               <a:rPr lang="en-US" smtClean="0"/>
               <a:pPr/>
-              <a:t>9/6/17</a:t>
+              <a:t>9/13/17</a:t>
             </a:fld>
             <a:endParaRPr lang="en-US" dirty="0"/>
           </a:p>
@@ -9926,7 +9870,7 @@
             <a:fld id="{9E955210-1050-5546-9F10-C922A94AA704}" type="datetimeFigureOut">
               <a:rPr lang="en-US" smtClean="0"/>
               <a:pPr/>
-              <a:t>9/6/17</a:t>
+              <a:t>9/13/17</a:t>
             </a:fld>
             <a:endParaRPr lang="en-US" dirty="0"/>
           </a:p>
@@ -10362,7 +10306,7 @@
             <a:fld id="{9E955210-1050-5546-9F10-C922A94AA704}" type="datetimeFigureOut">
               <a:rPr lang="en-US" smtClean="0"/>
               <a:pPr/>
-              <a:t>9/6/17</a:t>
+              <a:t>9/13/17</a:t>
             </a:fld>
             <a:endParaRPr lang="en-US" dirty="0"/>
           </a:p>
@@ -10518,7 +10462,7 @@
             <a:fld id="{9E955210-1050-5546-9F10-C922A94AA704}" type="datetimeFigureOut">
               <a:rPr lang="en-US" smtClean="0"/>
               <a:pPr/>
-              <a:t>9/6/17</a:t>
+              <a:t>9/13/17</a:t>
             </a:fld>
             <a:endParaRPr lang="en-US" dirty="0"/>
           </a:p>
@@ -10783,7 +10727,7 @@
             <a:fld id="{D2D9375A-EECF-AC4A-9997-00D00C8B65AD}" type="datetimeFigureOut">
               <a:rPr lang="en-US" smtClean="0"/>
               <a:pPr/>
-              <a:t>9/6/17</a:t>
+              <a:t>9/13/17</a:t>
             </a:fld>
             <a:endParaRPr lang="en-US" dirty="0"/>
           </a:p>
@@ -11133,7 +11077,7 @@
             <a:fld id="{9E955210-1050-5546-9F10-C922A94AA704}" type="datetimeFigureOut">
               <a:rPr lang="en-US" smtClean="0"/>
               <a:pPr/>
-              <a:t>9/6/17</a:t>
+              <a:t>9/13/17</a:t>
             </a:fld>
             <a:endParaRPr lang="en-US" dirty="0"/>
           </a:p>
@@ -11544,7 +11488,7 @@
             <a:fld id="{D2D9375A-EECF-AC4A-9997-00D00C8B65AD}" type="datetimeFigureOut">
               <a:rPr lang="en-US" smtClean="0"/>
               <a:pPr/>
-              <a:t>9/6/17</a:t>
+              <a:t>9/13/17</a:t>
             </a:fld>
             <a:endParaRPr lang="en-US" dirty="0"/>
           </a:p>
@@ -11664,7 +11608,7 @@
             <a:fld id="{D2D9375A-EECF-AC4A-9997-00D00C8B65AD}" type="datetimeFigureOut">
               <a:rPr lang="en-US" smtClean="0"/>
               <a:pPr/>
-              <a:t>9/6/17</a:t>
+              <a:t>9/13/17</a:t>
             </a:fld>
             <a:endParaRPr lang="en-US" dirty="0"/>
           </a:p>
@@ -11761,7 +11705,7 @@
             <a:fld id="{D2D9375A-EECF-AC4A-9997-00D00C8B65AD}" type="datetimeFigureOut">
               <a:rPr lang="en-US" smtClean="0"/>
               <a:pPr/>
-              <a:t>9/6/17</a:t>
+              <a:t>9/13/17</a:t>
             </a:fld>
             <a:endParaRPr lang="en-US" dirty="0"/>
           </a:p>
@@ -12040,7 +11984,7 @@
             <a:fld id="{D2D9375A-EECF-AC4A-9997-00D00C8B65AD}" type="datetimeFigureOut">
               <a:rPr lang="en-US" smtClean="0"/>
               <a:pPr/>
-              <a:t>9/6/17</a:t>
+              <a:t>9/13/17</a:t>
             </a:fld>
             <a:endParaRPr lang="en-US" dirty="0"/>
           </a:p>
@@ -12295,7 +12239,7 @@
             <a:fld id="{D2D9375A-EECF-AC4A-9997-00D00C8B65AD}" type="datetimeFigureOut">
               <a:rPr lang="en-US" smtClean="0"/>
               <a:pPr/>
-              <a:t>9/6/17</a:t>
+              <a:t>9/13/17</a:t>
             </a:fld>
             <a:endParaRPr lang="en-US" dirty="0"/>
           </a:p>
@@ -12516,7 +12460,7 @@
             <a:fld id="{D2D9375A-EECF-AC4A-9997-00D00C8B65AD}" type="datetimeFigureOut">
               <a:rPr lang="en-US" smtClean="0"/>
               <a:pPr/>
-              <a:t>9/6/17</a:t>
+              <a:t>9/13/17</a:t>
             </a:fld>
             <a:endParaRPr lang="en-US" dirty="0"/>
           </a:p>
@@ -13032,7 +12976,7 @@
             <a:fld id="{9E955210-1050-5546-9F10-C922A94AA704}" type="datetimeFigureOut">
               <a:rPr lang="en-US" smtClean="0"/>
               <a:pPr/>
-              <a:t>9/6/17</a:t>
+              <a:t>9/13/17</a:t>
             </a:fld>
             <a:endParaRPr lang="en-US" dirty="0"/>
           </a:p>
@@ -13566,7 +13510,7 @@
             <a:fld id="{D2D9375A-EECF-AC4A-9997-00D00C8B65AD}" type="datetimeFigureOut">
               <a:rPr lang="en-US" smtClean="0"/>
               <a:pPr/>
-              <a:t>9/6/17</a:t>
+              <a:t>9/13/17</a:t>
             </a:fld>
             <a:endParaRPr lang="en-US" dirty="0"/>
           </a:p>
@@ -14435,7 +14379,7 @@
             <a:fld id="{D2D9375A-EECF-AC4A-9997-00D00C8B65AD}" type="datetimeFigureOut">
               <a:rPr lang="en-US" smtClean="0"/>
               <a:pPr/>
-              <a:t>9/6/17</a:t>
+              <a:t>9/13/17</a:t>
             </a:fld>
             <a:endParaRPr lang="en-US" dirty="0"/>
           </a:p>
@@ -15124,11 +15068,7 @@
           <a:p>
             <a:r>
               <a:rPr lang="en-US" dirty="0" smtClean="0"/>
-              <a:t>Testing </a:t>
-            </a:r>
-            <a:r>
-              <a:rPr lang="en-US" dirty="0" smtClean="0"/>
-              <a:t>Hypotheses</a:t>
+              <a:t>Testing Hypotheses</a:t>
             </a:r>
             <a:endParaRPr lang="en-US" dirty="0"/>
           </a:p>
@@ -15167,6 +15107,2102 @@
 </file>
 
 <file path=ppt/slides/slide10.xml><?xml version="1.0" encoding="utf-8"?>
+<p:sld xmlns:a="http://schemas.openxmlformats.org/drawingml/2006/main" xmlns:r="http://schemas.openxmlformats.org/officeDocument/2006/relationships" xmlns:p="http://schemas.openxmlformats.org/presentationml/2006/main">
+  <p:cSld>
+    <p:spTree>
+      <p:nvGrpSpPr>
+        <p:cNvPr id="1" name=""/>
+        <p:cNvGrpSpPr/>
+        <p:nvPr/>
+      </p:nvGrpSpPr>
+      <p:grpSpPr>
+        <a:xfrm>
+          <a:off x="0" y="0"/>
+          <a:ext cx="0" cy="0"/>
+          <a:chOff x="0" y="0"/>
+          <a:chExt cx="0" cy="0"/>
+        </a:xfrm>
+      </p:grpSpPr>
+      <p:sp>
+        <p:nvSpPr>
+          <p:cNvPr id="2" name="Title 1"/>
+          <p:cNvSpPr>
+            <a:spLocks noGrp="1"/>
+          </p:cNvSpPr>
+          <p:nvPr>
+            <p:ph type="title"/>
+          </p:nvPr>
+        </p:nvSpPr>
+        <p:spPr/>
+        <p:txBody>
+          <a:bodyPr>
+            <a:normAutofit/>
+          </a:bodyPr>
+          <a:lstStyle/>
+          <a:p>
+            <a:r>
+              <a:rPr lang="en-US" dirty="0"/>
+              <a:t>Two-Tailed </a:t>
+            </a:r>
+            <a:r>
+              <a:rPr lang="en-US" dirty="0" smtClean="0"/>
+              <a:t>Tests</a:t>
+            </a:r>
+            <a:endParaRPr lang="en-US" dirty="0"/>
+          </a:p>
+        </p:txBody>
+      </p:sp>
+      <p:sp>
+        <p:nvSpPr>
+          <p:cNvPr id="3" name="Content Placeholder 2"/>
+          <p:cNvSpPr>
+            <a:spLocks noGrp="1"/>
+          </p:cNvSpPr>
+          <p:nvPr>
+            <p:ph sz="quarter" idx="1"/>
+          </p:nvPr>
+        </p:nvSpPr>
+        <p:spPr/>
+        <p:txBody>
+          <a:bodyPr/>
+          <a:lstStyle/>
+          <a:p>
+            <a:r>
+              <a:rPr lang="en-US" dirty="0"/>
+              <a:t>A hypothesis test in which the region of rejection falls equally within both tails of the sampling </a:t>
+            </a:r>
+            <a:r>
+              <a:rPr lang="en-US" dirty="0" smtClean="0"/>
+              <a:t>distribution</a:t>
+            </a:r>
+          </a:p>
+          <a:p>
+            <a:endParaRPr lang="en-US" dirty="0"/>
+          </a:p>
+          <a:p>
+            <a:endParaRPr lang="en-US" dirty="0"/>
+          </a:p>
+        </p:txBody>
+      </p:sp>
+      <p:pic>
+        <p:nvPicPr>
+          <p:cNvPr id="4" name="Picture 3" descr="Screen Shot 2017-04-29 at 3.41.53 PM.png"/>
+          <p:cNvPicPr>
+            <a:picLocks noChangeAspect="1"/>
+          </p:cNvPicPr>
+          <p:nvPr/>
+        </p:nvPicPr>
+        <p:blipFill>
+          <a:blip r:embed="rId3">
+            <a:extLst>
+              <a:ext uri="{28A0092B-C50C-407E-A947-70E740481C1C}">
+                <a14:useLocalDpi xmlns:a14="http://schemas.microsoft.com/office/drawing/2010/main" val="0"/>
+              </a:ext>
+            </a:extLst>
+          </a:blip>
+          <a:stretch>
+            <a:fillRect/>
+          </a:stretch>
+        </p:blipFill>
+        <p:spPr>
+          <a:xfrm>
+            <a:off x="4127500" y="3632200"/>
+            <a:ext cx="3937000" cy="419100"/>
+          </a:xfrm>
+          <a:prstGeom prst="rect">
+            <a:avLst/>
+          </a:prstGeom>
+        </p:spPr>
+      </p:pic>
+    </p:spTree>
+    <p:extLst>
+      <p:ext uri="{BB962C8B-B14F-4D97-AF65-F5344CB8AC3E}">
+        <p14:creationId xmlns:p14="http://schemas.microsoft.com/office/powerpoint/2010/main" val="2065443675"/>
+      </p:ext>
+    </p:extLst>
+  </p:cSld>
+  <p:clrMapOvr>
+    <a:masterClrMapping/>
+  </p:clrMapOvr>
+  <mc:AlternateContent xmlns:mc="http://schemas.openxmlformats.org/markup-compatibility/2006" xmlns:p14="http://schemas.microsoft.com/office/powerpoint/2010/main">
+    <mc:Choice Requires="p14">
+      <p:transition spd="med" p14:dur="700">
+        <p:fade/>
+      </p:transition>
+    </mc:Choice>
+    <mc:Fallback xmlns="">
+      <p:transition xmlns:p14="http://schemas.microsoft.com/office/powerpoint/2010/main" spd="med">
+        <p:fade/>
+      </p:transition>
+    </mc:Fallback>
+  </mc:AlternateContent>
+</p:sld>
+</file>
+
+<file path=ppt/slides/slide11.xml><?xml version="1.0" encoding="utf-8"?>
+<p:sld xmlns:a="http://schemas.openxmlformats.org/drawingml/2006/main" xmlns:r="http://schemas.openxmlformats.org/officeDocument/2006/relationships" xmlns:p="http://schemas.openxmlformats.org/presentationml/2006/main">
+  <p:cSld>
+    <p:spTree>
+      <p:nvGrpSpPr>
+        <p:cNvPr id="1" name=""/>
+        <p:cNvGrpSpPr/>
+        <p:nvPr/>
+      </p:nvGrpSpPr>
+      <p:grpSpPr>
+        <a:xfrm>
+          <a:off x="0" y="0"/>
+          <a:ext cx="0" cy="0"/>
+          <a:chOff x="0" y="0"/>
+          <a:chExt cx="0" cy="0"/>
+        </a:xfrm>
+      </p:grpSpPr>
+      <p:sp>
+        <p:nvSpPr>
+          <p:cNvPr id="2" name="Title 1"/>
+          <p:cNvSpPr>
+            <a:spLocks noGrp="1"/>
+          </p:cNvSpPr>
+          <p:nvPr>
+            <p:ph type="title"/>
+          </p:nvPr>
+        </p:nvSpPr>
+        <p:spPr/>
+        <p:txBody>
+          <a:bodyPr>
+            <a:normAutofit/>
+          </a:bodyPr>
+          <a:lstStyle/>
+          <a:p>
+            <a:r>
+              <a:rPr lang="en-US" dirty="0"/>
+              <a:t>Probability </a:t>
+            </a:r>
+            <a:r>
+              <a:rPr lang="en-US" dirty="0" smtClean="0"/>
+              <a:t>Values</a:t>
+            </a:r>
+            <a:endParaRPr lang="en-US" dirty="0"/>
+          </a:p>
+        </p:txBody>
+      </p:sp>
+      <p:sp>
+        <p:nvSpPr>
+          <p:cNvPr id="3" name="Content Placeholder 2"/>
+          <p:cNvSpPr>
+            <a:spLocks noGrp="1"/>
+          </p:cNvSpPr>
+          <p:nvPr>
+            <p:ph sz="quarter" idx="1"/>
+          </p:nvPr>
+        </p:nvSpPr>
+        <p:spPr/>
+        <p:txBody>
+          <a:bodyPr>
+            <a:normAutofit/>
+          </a:bodyPr>
+          <a:lstStyle/>
+          <a:p>
+            <a:r>
+              <a:rPr lang="en-US" dirty="0"/>
+              <a:t>Z statistic </a:t>
+            </a:r>
+            <a:endParaRPr lang="en-US" dirty="0" smtClean="0"/>
+          </a:p>
+          <a:p>
+            <a:pPr lvl="1"/>
+            <a:r>
+              <a:rPr lang="en-US" dirty="0" smtClean="0"/>
+              <a:t>The </a:t>
+            </a:r>
+            <a:r>
+              <a:rPr lang="en-US" dirty="0"/>
+              <a:t>test statistic computed by converting a sample statistic </a:t>
+            </a:r>
+            <a:r>
+              <a:rPr lang="en-US" dirty="0" smtClean="0"/>
+              <a:t>to </a:t>
+            </a:r>
+            <a:r>
+              <a:rPr lang="en-US" dirty="0"/>
+              <a:t>a Z </a:t>
+            </a:r>
+            <a:r>
+              <a:rPr lang="en-US" dirty="0" smtClean="0"/>
+              <a:t>score</a:t>
+            </a:r>
+          </a:p>
+          <a:p>
+            <a:endParaRPr lang="en-US" dirty="0" smtClean="0"/>
+          </a:p>
+          <a:p>
+            <a:r>
+              <a:rPr lang="en-US" dirty="0" smtClean="0"/>
+              <a:t>P </a:t>
+            </a:r>
+            <a:r>
+              <a:rPr lang="en-US" dirty="0"/>
+              <a:t>value </a:t>
+            </a:r>
+            <a:endParaRPr lang="en-US" dirty="0" smtClean="0"/>
+          </a:p>
+          <a:p>
+            <a:pPr lvl="1"/>
+            <a:r>
+              <a:rPr lang="en-US" dirty="0" smtClean="0"/>
+              <a:t>The </a:t>
+            </a:r>
+            <a:r>
+              <a:rPr lang="en-US" dirty="0"/>
+              <a:t>probability associated with the obtained value of </a:t>
+            </a:r>
+            <a:r>
+              <a:rPr lang="en-US" dirty="0" smtClean="0"/>
+              <a:t>Z</a:t>
+            </a:r>
+            <a:endParaRPr lang="en-US" dirty="0"/>
+          </a:p>
+        </p:txBody>
+      </p:sp>
+    </p:spTree>
+    <p:extLst>
+      <p:ext uri="{BB962C8B-B14F-4D97-AF65-F5344CB8AC3E}">
+        <p14:creationId xmlns:p14="http://schemas.microsoft.com/office/powerpoint/2010/main" val="2487343424"/>
+      </p:ext>
+    </p:extLst>
+  </p:cSld>
+  <p:clrMapOvr>
+    <a:masterClrMapping/>
+  </p:clrMapOvr>
+  <mc:AlternateContent xmlns:mc="http://schemas.openxmlformats.org/markup-compatibility/2006" xmlns:p14="http://schemas.microsoft.com/office/powerpoint/2010/main">
+    <mc:Choice Requires="p14">
+      <p:transition spd="med" p14:dur="700">
+        <p:fade/>
+      </p:transition>
+    </mc:Choice>
+    <mc:Fallback xmlns="">
+      <p:transition xmlns:p14="http://schemas.microsoft.com/office/powerpoint/2010/main" spd="med">
+        <p:fade/>
+      </p:transition>
+    </mc:Fallback>
+  </mc:AlternateContent>
+</p:sld>
+</file>
+
+<file path=ppt/slides/slide12.xml><?xml version="1.0" encoding="utf-8"?>
+<p:sld xmlns:a="http://schemas.openxmlformats.org/drawingml/2006/main" xmlns:r="http://schemas.openxmlformats.org/officeDocument/2006/relationships" xmlns:p="http://schemas.openxmlformats.org/presentationml/2006/main">
+  <p:cSld>
+    <p:spTree>
+      <p:nvGrpSpPr>
+        <p:cNvPr id="1" name=""/>
+        <p:cNvGrpSpPr/>
+        <p:nvPr/>
+      </p:nvGrpSpPr>
+      <p:grpSpPr>
+        <a:xfrm>
+          <a:off x="0" y="0"/>
+          <a:ext cx="0" cy="0"/>
+          <a:chOff x="0" y="0"/>
+          <a:chExt cx="0" cy="0"/>
+        </a:xfrm>
+      </p:grpSpPr>
+      <p:sp>
+        <p:nvSpPr>
+          <p:cNvPr id="2" name="Title 1"/>
+          <p:cNvSpPr>
+            <a:spLocks noGrp="1"/>
+          </p:cNvSpPr>
+          <p:nvPr>
+            <p:ph type="title"/>
+          </p:nvPr>
+        </p:nvSpPr>
+        <p:spPr/>
+        <p:txBody>
+          <a:bodyPr>
+            <a:normAutofit/>
+          </a:bodyPr>
+          <a:lstStyle/>
+          <a:p>
+            <a:r>
+              <a:rPr lang="en-US" dirty="0"/>
+              <a:t>Probability </a:t>
+            </a:r>
+            <a:r>
+              <a:rPr lang="en-US" dirty="0" smtClean="0"/>
+              <a:t>Values</a:t>
+            </a:r>
+            <a:endParaRPr lang="en-US" dirty="0"/>
+          </a:p>
+        </p:txBody>
+      </p:sp>
+      <p:sp>
+        <p:nvSpPr>
+          <p:cNvPr id="3" name="Content Placeholder 2"/>
+          <p:cNvSpPr>
+            <a:spLocks noGrp="1"/>
+          </p:cNvSpPr>
+          <p:nvPr>
+            <p:ph sz="quarter" idx="1"/>
+          </p:nvPr>
+        </p:nvSpPr>
+        <p:spPr/>
+        <p:txBody>
+          <a:bodyPr>
+            <a:normAutofit/>
+          </a:bodyPr>
+          <a:lstStyle/>
+          <a:p>
+            <a:r>
+              <a:rPr lang="en-US" dirty="0" smtClean="0"/>
+              <a:t>When we are comparing our statistic to a population parameter, we modify the Z-score formula</a:t>
+            </a:r>
+          </a:p>
+          <a:p>
+            <a:endParaRPr lang="en-US" dirty="0"/>
+          </a:p>
+        </p:txBody>
+      </p:sp>
+      <p:pic>
+        <p:nvPicPr>
+          <p:cNvPr id="5" name="Picture 4" descr="Screen Shot 2017-04-29 at 5.02.08 PM.png"/>
+          <p:cNvPicPr>
+            <a:picLocks noChangeAspect="1"/>
+          </p:cNvPicPr>
+          <p:nvPr/>
+        </p:nvPicPr>
+        <p:blipFill>
+          <a:blip r:embed="rId3">
+            <a:extLst>
+              <a:ext uri="{28A0092B-C50C-407E-A947-70E740481C1C}">
+                <a14:useLocalDpi xmlns:a14="http://schemas.microsoft.com/office/drawing/2010/main" val="0"/>
+              </a:ext>
+            </a:extLst>
+          </a:blip>
+          <a:stretch>
+            <a:fillRect/>
+          </a:stretch>
+        </p:blipFill>
+        <p:spPr>
+          <a:xfrm>
+            <a:off x="4765449" y="3964887"/>
+            <a:ext cx="2668673" cy="1307105"/>
+          </a:xfrm>
+          <a:prstGeom prst="rect">
+            <a:avLst/>
+          </a:prstGeom>
+        </p:spPr>
+      </p:pic>
+    </p:spTree>
+    <p:extLst>
+      <p:ext uri="{BB962C8B-B14F-4D97-AF65-F5344CB8AC3E}">
+        <p14:creationId xmlns:p14="http://schemas.microsoft.com/office/powerpoint/2010/main" val="3625347879"/>
+      </p:ext>
+    </p:extLst>
+  </p:cSld>
+  <p:clrMapOvr>
+    <a:masterClrMapping/>
+  </p:clrMapOvr>
+  <mc:AlternateContent xmlns:mc="http://schemas.openxmlformats.org/markup-compatibility/2006" xmlns:p14="http://schemas.microsoft.com/office/powerpoint/2010/main">
+    <mc:Choice Requires="p14">
+      <p:transition spd="med" p14:dur="700">
+        <p:fade/>
+      </p:transition>
+    </mc:Choice>
+    <mc:Fallback xmlns="">
+      <p:transition xmlns:p14="http://schemas.microsoft.com/office/powerpoint/2010/main" spd="med">
+        <p:fade/>
+      </p:transition>
+    </mc:Fallback>
+  </mc:AlternateContent>
+</p:sld>
+</file>
+
+<file path=ppt/slides/slide13.xml><?xml version="1.0" encoding="utf-8"?>
+<p:sld xmlns:a="http://schemas.openxmlformats.org/drawingml/2006/main" xmlns:r="http://schemas.openxmlformats.org/officeDocument/2006/relationships" xmlns:p="http://schemas.openxmlformats.org/presentationml/2006/main">
+  <p:cSld>
+    <p:spTree>
+      <p:nvGrpSpPr>
+        <p:cNvPr id="1" name=""/>
+        <p:cNvGrpSpPr/>
+        <p:nvPr/>
+      </p:nvGrpSpPr>
+      <p:grpSpPr>
+        <a:xfrm>
+          <a:off x="0" y="0"/>
+          <a:ext cx="0" cy="0"/>
+          <a:chOff x="0" y="0"/>
+          <a:chExt cx="0" cy="0"/>
+        </a:xfrm>
+      </p:grpSpPr>
+      <p:sp>
+        <p:nvSpPr>
+          <p:cNvPr id="2" name="Title 1"/>
+          <p:cNvSpPr>
+            <a:spLocks noGrp="1"/>
+          </p:cNvSpPr>
+          <p:nvPr>
+            <p:ph type="title"/>
+          </p:nvPr>
+        </p:nvSpPr>
+        <p:spPr/>
+        <p:txBody>
+          <a:bodyPr/>
+          <a:lstStyle/>
+          <a:p>
+            <a:r>
+              <a:rPr lang="en-US" dirty="0" smtClean="0"/>
+              <a:t>Example: Gas</a:t>
+            </a:r>
+            <a:endParaRPr lang="en-US" dirty="0"/>
+          </a:p>
+        </p:txBody>
+      </p:sp>
+      <p:sp>
+        <p:nvSpPr>
+          <p:cNvPr id="3" name="Content Placeholder 2"/>
+          <p:cNvSpPr>
+            <a:spLocks noGrp="1"/>
+          </p:cNvSpPr>
+          <p:nvPr>
+            <p:ph sz="quarter" idx="1"/>
+          </p:nvPr>
+        </p:nvSpPr>
+        <p:spPr/>
+        <p:txBody>
+          <a:bodyPr/>
+          <a:lstStyle/>
+          <a:p>
+            <a:r>
+              <a:rPr lang="en-US" dirty="0" smtClean="0"/>
+              <a:t>National Average Price: $3.53</a:t>
+            </a:r>
+          </a:p>
+          <a:p>
+            <a:r>
+              <a:rPr lang="en-US" dirty="0" smtClean="0"/>
+              <a:t>National Standard Deviation: $.21</a:t>
+            </a:r>
+          </a:p>
+          <a:p>
+            <a:r>
+              <a:rPr lang="en-US" dirty="0" smtClean="0"/>
+              <a:t>California Average Price (sample): $3.90</a:t>
+            </a:r>
+          </a:p>
+          <a:p>
+            <a:r>
+              <a:rPr lang="en-US" dirty="0" smtClean="0"/>
+              <a:t>California Sample Size (N): 100</a:t>
+            </a:r>
+          </a:p>
+          <a:p>
+            <a:endParaRPr lang="en-US" dirty="0"/>
+          </a:p>
+          <a:p>
+            <a:endParaRPr lang="en-US" dirty="0" smtClean="0"/>
+          </a:p>
+          <a:p>
+            <a:endParaRPr lang="en-US" dirty="0"/>
+          </a:p>
+        </p:txBody>
+      </p:sp>
+      <p:pic>
+        <p:nvPicPr>
+          <p:cNvPr id="4" name="Picture 3" descr="Screen Shot 2017-04-29 at 5.07.09 PM.png"/>
+          <p:cNvPicPr>
+            <a:picLocks noChangeAspect="1"/>
+          </p:cNvPicPr>
+          <p:nvPr/>
+        </p:nvPicPr>
+        <p:blipFill>
+          <a:blip r:embed="rId2">
+            <a:extLst>
+              <a:ext uri="{28A0092B-C50C-407E-A947-70E740481C1C}">
+                <a14:useLocalDpi xmlns:a14="http://schemas.microsoft.com/office/drawing/2010/main" val="0"/>
+              </a:ext>
+            </a:extLst>
+          </a:blip>
+          <a:stretch>
+            <a:fillRect/>
+          </a:stretch>
+        </p:blipFill>
+        <p:spPr>
+          <a:xfrm>
+            <a:off x="3620521" y="4446131"/>
+            <a:ext cx="4925820" cy="1398432"/>
+          </a:xfrm>
+          <a:prstGeom prst="rect">
+            <a:avLst/>
+          </a:prstGeom>
+        </p:spPr>
+      </p:pic>
+    </p:spTree>
+    <p:extLst>
+      <p:ext uri="{BB962C8B-B14F-4D97-AF65-F5344CB8AC3E}">
+        <p14:creationId xmlns:p14="http://schemas.microsoft.com/office/powerpoint/2010/main" val="2919968738"/>
+      </p:ext>
+    </p:extLst>
+  </p:cSld>
+  <p:clrMapOvr>
+    <a:masterClrMapping/>
+  </p:clrMapOvr>
+  <mc:AlternateContent xmlns:mc="http://schemas.openxmlformats.org/markup-compatibility/2006" xmlns:p14="http://schemas.microsoft.com/office/powerpoint/2010/main">
+    <mc:Choice Requires="p14">
+      <p:transition spd="med" p14:dur="700">
+        <p:fade/>
+      </p:transition>
+    </mc:Choice>
+    <mc:Fallback xmlns="">
+      <p:transition xmlns:p14="http://schemas.microsoft.com/office/powerpoint/2010/main" spd="med">
+        <p:fade/>
+      </p:transition>
+    </mc:Fallback>
+  </mc:AlternateContent>
+</p:sld>
+</file>
+
+<file path=ppt/slides/slide14.xml><?xml version="1.0" encoding="utf-8"?>
+<p:sld xmlns:a="http://schemas.openxmlformats.org/drawingml/2006/main" xmlns:r="http://schemas.openxmlformats.org/officeDocument/2006/relationships" xmlns:p="http://schemas.openxmlformats.org/presentationml/2006/main">
+  <p:cSld>
+    <p:spTree>
+      <p:nvGrpSpPr>
+        <p:cNvPr id="1" name=""/>
+        <p:cNvGrpSpPr/>
+        <p:nvPr/>
+      </p:nvGrpSpPr>
+      <p:grpSpPr>
+        <a:xfrm>
+          <a:off x="0" y="0"/>
+          <a:ext cx="0" cy="0"/>
+          <a:chOff x="0" y="0"/>
+          <a:chExt cx="0" cy="0"/>
+        </a:xfrm>
+      </p:grpSpPr>
+      <p:sp>
+        <p:nvSpPr>
+          <p:cNvPr id="2" name="Title 1"/>
+          <p:cNvSpPr>
+            <a:spLocks noGrp="1"/>
+          </p:cNvSpPr>
+          <p:nvPr>
+            <p:ph type="title"/>
+          </p:nvPr>
+        </p:nvSpPr>
+        <p:spPr/>
+        <p:txBody>
+          <a:bodyPr>
+            <a:normAutofit/>
+          </a:bodyPr>
+          <a:lstStyle/>
+          <a:p>
+            <a:r>
+              <a:rPr lang="en-US" dirty="0" smtClean="0"/>
+              <a:t>Probability Values</a:t>
+            </a:r>
+            <a:endParaRPr lang="en-US" dirty="0"/>
+          </a:p>
+        </p:txBody>
+      </p:sp>
+      <p:pic>
+        <p:nvPicPr>
+          <p:cNvPr id="24578" name="Picture 2"/>
+          <p:cNvPicPr>
+            <a:picLocks noChangeAspect="1" noChangeArrowheads="1"/>
+          </p:cNvPicPr>
+          <p:nvPr/>
+        </p:nvPicPr>
+        <p:blipFill>
+          <a:blip r:embed="rId3">
+            <a:extLst>
+              <a:ext uri="{28A0092B-C50C-407E-A947-70E740481C1C}">
+                <a14:useLocalDpi xmlns:a14="http://schemas.microsoft.com/office/drawing/2010/main" val="0"/>
+              </a:ext>
+            </a:extLst>
+          </a:blip>
+          <a:srcRect/>
+          <a:stretch>
+            <a:fillRect/>
+          </a:stretch>
+        </p:blipFill>
+        <p:spPr bwMode="auto">
+          <a:xfrm>
+            <a:off x="2505075" y="1995108"/>
+            <a:ext cx="7181850" cy="3648075"/>
+          </a:xfrm>
+          <a:prstGeom prst="rect">
+            <a:avLst/>
+          </a:prstGeom>
+          <a:noFill/>
+          <a:ln>
+            <a:noFill/>
+          </a:ln>
+          <a:extLst>
+            <a:ext uri="{909E8E84-426E-40dd-AFC4-6F175D3DCCD1}">
+              <a14:hiddenFill xmlns="" xmlns:a14="http://schemas.microsoft.com/office/drawing/2010/main">
+                <a:solidFill>
+                  <a:schemeClr val="accent1"/>
+                </a:solidFill>
+              </a14:hiddenFill>
+            </a:ext>
+            <a:ext uri="{91240B29-F687-4f45-9708-019B960494DF}">
+              <a14:hiddenLine xmlns="" xmlns:a14="http://schemas.microsoft.com/office/drawing/2010/main" w="9525">
+                <a:solidFill>
+                  <a:schemeClr val="tx1"/>
+                </a:solidFill>
+                <a:miter lim="800000"/>
+                <a:headEnd/>
+                <a:tailEnd/>
+              </a14:hiddenLine>
+            </a:ext>
+          </a:extLst>
+        </p:spPr>
+      </p:pic>
+    </p:spTree>
+    <p:extLst>
+      <p:ext uri="{BB962C8B-B14F-4D97-AF65-F5344CB8AC3E}">
+        <p14:creationId xmlns:p14="http://schemas.microsoft.com/office/powerpoint/2010/main" val="3695121343"/>
+      </p:ext>
+    </p:extLst>
+  </p:cSld>
+  <p:clrMapOvr>
+    <a:masterClrMapping/>
+  </p:clrMapOvr>
+  <mc:AlternateContent xmlns:mc="http://schemas.openxmlformats.org/markup-compatibility/2006" xmlns:p14="http://schemas.microsoft.com/office/powerpoint/2010/main">
+    <mc:Choice Requires="p14">
+      <p:transition spd="med" p14:dur="700">
+        <p:fade/>
+      </p:transition>
+    </mc:Choice>
+    <mc:Fallback xmlns="">
+      <p:transition xmlns:p14="http://schemas.microsoft.com/office/powerpoint/2010/main" spd="med">
+        <p:fade/>
+      </p:transition>
+    </mc:Fallback>
+  </mc:AlternateContent>
+</p:sld>
+</file>
+
+<file path=ppt/slides/slide15.xml><?xml version="1.0" encoding="utf-8"?>
+<p:sld xmlns:a="http://schemas.openxmlformats.org/drawingml/2006/main" xmlns:r="http://schemas.openxmlformats.org/officeDocument/2006/relationships" xmlns:p="http://schemas.openxmlformats.org/presentationml/2006/main">
+  <p:cSld>
+    <p:spTree>
+      <p:nvGrpSpPr>
+        <p:cNvPr id="1" name=""/>
+        <p:cNvGrpSpPr/>
+        <p:nvPr/>
+      </p:nvGrpSpPr>
+      <p:grpSpPr>
+        <a:xfrm>
+          <a:off x="0" y="0"/>
+          <a:ext cx="0" cy="0"/>
+          <a:chOff x="0" y="0"/>
+          <a:chExt cx="0" cy="0"/>
+        </a:xfrm>
+      </p:grpSpPr>
+      <p:sp>
+        <p:nvSpPr>
+          <p:cNvPr id="2" name="Title 1"/>
+          <p:cNvSpPr>
+            <a:spLocks noGrp="1"/>
+          </p:cNvSpPr>
+          <p:nvPr>
+            <p:ph type="title"/>
+          </p:nvPr>
+        </p:nvSpPr>
+        <p:spPr/>
+        <p:txBody>
+          <a:bodyPr>
+            <a:normAutofit/>
+          </a:bodyPr>
+          <a:lstStyle/>
+          <a:p>
+            <a:r>
+              <a:rPr lang="en-US" dirty="0"/>
+              <a:t>Probability </a:t>
+            </a:r>
+            <a:r>
+              <a:rPr lang="en-US" dirty="0" smtClean="0"/>
+              <a:t>Values</a:t>
+            </a:r>
+            <a:endParaRPr lang="en-US" dirty="0"/>
+          </a:p>
+        </p:txBody>
+      </p:sp>
+      <p:sp>
+        <p:nvSpPr>
+          <p:cNvPr id="3" name="Content Placeholder 2"/>
+          <p:cNvSpPr>
+            <a:spLocks noGrp="1"/>
+          </p:cNvSpPr>
+          <p:nvPr>
+            <p:ph sz="quarter" idx="1"/>
+          </p:nvPr>
+        </p:nvSpPr>
+        <p:spPr/>
+        <p:txBody>
+          <a:bodyPr/>
+          <a:lstStyle/>
+          <a:p>
+            <a:r>
+              <a:rPr lang="en-US" dirty="0"/>
+              <a:t>Alpha </a:t>
+            </a:r>
+            <a:r>
+              <a:rPr lang="en-US" dirty="0" smtClean="0"/>
+              <a:t>(</a:t>
+            </a:r>
+            <a:r>
+              <a:rPr lang="en-US" i="1" dirty="0" smtClean="0"/>
+              <a:t>a</a:t>
+            </a:r>
+            <a:r>
+              <a:rPr lang="en-US" dirty="0" smtClean="0"/>
+              <a:t>) </a:t>
+            </a:r>
+          </a:p>
+          <a:p>
+            <a:pPr lvl="1"/>
+            <a:r>
+              <a:rPr lang="en-US" dirty="0"/>
+              <a:t>The level of probability at which the null hypothesis is </a:t>
+            </a:r>
+            <a:r>
+              <a:rPr lang="en-US" dirty="0" smtClean="0"/>
+              <a:t>rejected</a:t>
+            </a:r>
+            <a:endParaRPr lang="en-US" dirty="0"/>
+          </a:p>
+          <a:p>
+            <a:pPr lvl="2"/>
+            <a:r>
+              <a:rPr lang="en-US" dirty="0" smtClean="0"/>
+              <a:t>It </a:t>
+            </a:r>
+            <a:r>
+              <a:rPr lang="en-US" dirty="0"/>
+              <a:t>is customary to set alpha at the .05, .01, </a:t>
+            </a:r>
+            <a:r>
+              <a:rPr lang="en-US" dirty="0" smtClean="0"/>
+              <a:t>or .001 level</a:t>
+            </a:r>
+          </a:p>
+          <a:p>
+            <a:pPr lvl="2"/>
+            <a:endParaRPr lang="en-US" dirty="0"/>
+          </a:p>
+          <a:p>
+            <a:pPr lvl="1"/>
+            <a:r>
+              <a:rPr lang="en-US" dirty="0" smtClean="0"/>
+              <a:t>If your obtained p-value is less </a:t>
+            </a:r>
+            <a:r>
+              <a:rPr lang="en-US" dirty="0" smtClean="0"/>
+              <a:t>than </a:t>
+            </a:r>
+            <a:r>
+              <a:rPr lang="en-US" dirty="0" smtClean="0"/>
+              <a:t>alpha (which is usually set at .05), then it’s safe to reject the null hypothesis</a:t>
+            </a:r>
+            <a:r>
+              <a:rPr lang="en-US" dirty="0" smtClean="0"/>
+              <a:t>.</a:t>
+            </a:r>
+          </a:p>
+          <a:p>
+            <a:pPr lvl="2"/>
+            <a:r>
+              <a:rPr lang="en-US" dirty="0" smtClean="0"/>
+              <a:t>Say we reject null hypothesis of no relationship… we find that there IS </a:t>
+            </a:r>
+            <a:r>
+              <a:rPr lang="en-US" smtClean="0"/>
+              <a:t>a relationship/mean difference.</a:t>
+            </a:r>
+            <a:endParaRPr lang="en-US" dirty="0"/>
+          </a:p>
+        </p:txBody>
+      </p:sp>
+    </p:spTree>
+    <p:extLst>
+      <p:ext uri="{BB962C8B-B14F-4D97-AF65-F5344CB8AC3E}">
+        <p14:creationId xmlns:p14="http://schemas.microsoft.com/office/powerpoint/2010/main" val="1794262038"/>
+      </p:ext>
+    </p:extLst>
+  </p:cSld>
+  <p:clrMapOvr>
+    <a:masterClrMapping/>
+  </p:clrMapOvr>
+  <mc:AlternateContent xmlns:mc="http://schemas.openxmlformats.org/markup-compatibility/2006" xmlns:p14="http://schemas.microsoft.com/office/powerpoint/2010/main">
+    <mc:Choice Requires="p14">
+      <p:transition spd="med" p14:dur="700">
+        <p:fade/>
+      </p:transition>
+    </mc:Choice>
+    <mc:Fallback xmlns="">
+      <p:transition xmlns:p14="http://schemas.microsoft.com/office/powerpoint/2010/main" spd="med">
+        <p:fade/>
+      </p:transition>
+    </mc:Fallback>
+  </mc:AlternateContent>
+</p:sld>
+</file>
+
+<file path=ppt/slides/slide16.xml><?xml version="1.0" encoding="utf-8"?>
+<p:sld xmlns:a="http://schemas.openxmlformats.org/drawingml/2006/main" xmlns:r="http://schemas.openxmlformats.org/officeDocument/2006/relationships" xmlns:p="http://schemas.openxmlformats.org/presentationml/2006/main">
+  <p:cSld>
+    <p:spTree>
+      <p:nvGrpSpPr>
+        <p:cNvPr id="1" name=""/>
+        <p:cNvGrpSpPr/>
+        <p:nvPr/>
+      </p:nvGrpSpPr>
+      <p:grpSpPr>
+        <a:xfrm>
+          <a:off x="0" y="0"/>
+          <a:ext cx="0" cy="0"/>
+          <a:chOff x="0" y="0"/>
+          <a:chExt cx="0" cy="0"/>
+        </a:xfrm>
+      </p:grpSpPr>
+      <p:sp>
+        <p:nvSpPr>
+          <p:cNvPr id="4" name="Title 3"/>
+          <p:cNvSpPr>
+            <a:spLocks noGrp="1"/>
+          </p:cNvSpPr>
+          <p:nvPr>
+            <p:ph type="title"/>
+          </p:nvPr>
+        </p:nvSpPr>
+        <p:spPr/>
+        <p:txBody>
+          <a:bodyPr>
+            <a:noAutofit/>
+          </a:bodyPr>
+          <a:lstStyle/>
+          <a:p>
+            <a:r>
+              <a:rPr lang="en-US" sz="4000" dirty="0"/>
+              <a:t>Hypothesis Testing Steps</a:t>
+            </a:r>
+          </a:p>
+        </p:txBody>
+      </p:sp>
+      <p:sp>
+        <p:nvSpPr>
+          <p:cNvPr id="2" name="Content Placeholder 1"/>
+          <p:cNvSpPr>
+            <a:spLocks noGrp="1"/>
+          </p:cNvSpPr>
+          <p:nvPr>
+            <p:ph sz="quarter" idx="1"/>
+          </p:nvPr>
+        </p:nvSpPr>
+        <p:spPr/>
+        <p:txBody>
+          <a:bodyPr/>
+          <a:lstStyle/>
+          <a:p>
+            <a:pPr marL="514350" indent="-514350">
+              <a:buFont typeface="+mj-lt"/>
+              <a:buAutoNum type="arabicPeriod"/>
+            </a:pPr>
+            <a:r>
+              <a:rPr lang="en-US" sz="2800" dirty="0"/>
+              <a:t>Assumptions</a:t>
+            </a:r>
+          </a:p>
+          <a:p>
+            <a:pPr marL="514350" indent="-514350">
+              <a:buFont typeface="+mj-lt"/>
+              <a:buAutoNum type="arabicPeriod"/>
+            </a:pPr>
+            <a:r>
+              <a:rPr lang="en-US" sz="2800" dirty="0"/>
+              <a:t>Stating research and null hypotheses, selecting alpha</a:t>
+            </a:r>
+          </a:p>
+          <a:p>
+            <a:pPr marL="514350" indent="-514350">
+              <a:buFont typeface="+mj-lt"/>
+              <a:buAutoNum type="arabicPeriod"/>
+            </a:pPr>
+            <a:r>
+              <a:rPr lang="en-US" sz="2800" dirty="0"/>
+              <a:t>Selecting the sampling distribution and specifying the test statistic</a:t>
+            </a:r>
+          </a:p>
+          <a:p>
+            <a:pPr marL="514350" indent="-514350">
+              <a:buFont typeface="+mj-lt"/>
+              <a:buAutoNum type="arabicPeriod"/>
+            </a:pPr>
+            <a:r>
+              <a:rPr lang="en-US" sz="2800" dirty="0"/>
+              <a:t>Computing the test statistic</a:t>
+            </a:r>
+          </a:p>
+          <a:p>
+            <a:pPr marL="514350" indent="-514350">
+              <a:buFont typeface="+mj-lt"/>
+              <a:buAutoNum type="arabicPeriod"/>
+            </a:pPr>
+            <a:r>
+              <a:rPr lang="en-US" sz="2800" dirty="0"/>
+              <a:t>Making a decision and interpr</a:t>
+            </a:r>
+            <a:r>
+              <a:rPr lang="en-US" dirty="0"/>
+              <a:t>eting the results</a:t>
+            </a:r>
+          </a:p>
+          <a:p>
+            <a:endParaRPr lang="en-US" dirty="0"/>
+          </a:p>
+        </p:txBody>
+      </p:sp>
+    </p:spTree>
+    <p:extLst>
+      <p:ext uri="{BB962C8B-B14F-4D97-AF65-F5344CB8AC3E}">
+        <p14:creationId xmlns:p14="http://schemas.microsoft.com/office/powerpoint/2010/main" val="3631576732"/>
+      </p:ext>
+    </p:extLst>
+  </p:cSld>
+  <p:clrMapOvr>
+    <a:masterClrMapping/>
+  </p:clrMapOvr>
+  <mc:AlternateContent xmlns:mc="http://schemas.openxmlformats.org/markup-compatibility/2006" xmlns:p14="http://schemas.microsoft.com/office/powerpoint/2010/main">
+    <mc:Choice Requires="p14">
+      <p:transition spd="med" p14:dur="700">
+        <p:fade/>
+      </p:transition>
+    </mc:Choice>
+    <mc:Fallback xmlns="">
+      <p:transition xmlns:p14="http://schemas.microsoft.com/office/powerpoint/2010/main" spd="med">
+        <p:fade/>
+      </p:transition>
+    </mc:Fallback>
+  </mc:AlternateContent>
+</p:sld>
+</file>
+
+<file path=ppt/slides/slide17.xml><?xml version="1.0" encoding="utf-8"?>
+<p:sld xmlns:a="http://schemas.openxmlformats.org/drawingml/2006/main" xmlns:r="http://schemas.openxmlformats.org/officeDocument/2006/relationships" xmlns:p="http://schemas.openxmlformats.org/presentationml/2006/main">
+  <p:cSld>
+    <p:spTree>
+      <p:nvGrpSpPr>
+        <p:cNvPr id="1" name=""/>
+        <p:cNvGrpSpPr/>
+        <p:nvPr/>
+      </p:nvGrpSpPr>
+      <p:grpSpPr>
+        <a:xfrm>
+          <a:off x="0" y="0"/>
+          <a:ext cx="0" cy="0"/>
+          <a:chOff x="0" y="0"/>
+          <a:chExt cx="0" cy="0"/>
+        </a:xfrm>
+      </p:grpSpPr>
+      <p:sp>
+        <p:nvSpPr>
+          <p:cNvPr id="4" name="Title 3"/>
+          <p:cNvSpPr>
+            <a:spLocks noGrp="1"/>
+          </p:cNvSpPr>
+          <p:nvPr>
+            <p:ph type="title"/>
+          </p:nvPr>
+        </p:nvSpPr>
+        <p:spPr/>
+        <p:txBody>
+          <a:bodyPr>
+            <a:noAutofit/>
+          </a:bodyPr>
+          <a:lstStyle/>
+          <a:p>
+            <a:r>
+              <a:rPr lang="en-US" sz="4000" dirty="0"/>
+              <a:t>Hypothesis Testing</a:t>
+            </a:r>
+          </a:p>
+        </p:txBody>
+      </p:sp>
+      <p:sp>
+        <p:nvSpPr>
+          <p:cNvPr id="2" name="Content Placeholder 1"/>
+          <p:cNvSpPr>
+            <a:spLocks noGrp="1"/>
+          </p:cNvSpPr>
+          <p:nvPr>
+            <p:ph sz="quarter" idx="1"/>
+          </p:nvPr>
+        </p:nvSpPr>
+        <p:spPr/>
+        <p:txBody>
+          <a:bodyPr/>
+          <a:lstStyle/>
+          <a:p>
+            <a:r>
+              <a:rPr lang="en-US" dirty="0" smtClean="0"/>
+              <a:t>Type I Error</a:t>
+            </a:r>
+          </a:p>
+          <a:p>
+            <a:pPr lvl="1"/>
+            <a:r>
+              <a:rPr lang="en-US" dirty="0" smtClean="0"/>
+              <a:t>You find relationship when there isn’t</a:t>
+            </a:r>
+          </a:p>
+          <a:p>
+            <a:pPr lvl="2"/>
+            <a:r>
+              <a:rPr lang="en-US" dirty="0" smtClean="0"/>
+              <a:t>Null is true, but you reject it</a:t>
+            </a:r>
+          </a:p>
+          <a:p>
+            <a:pPr lvl="2"/>
+            <a:r>
+              <a:rPr lang="en-US" dirty="0" smtClean="0"/>
+              <a:t>No relationship/no difference, but you say there is</a:t>
+            </a:r>
+          </a:p>
+          <a:p>
+            <a:r>
+              <a:rPr lang="en-US" dirty="0" smtClean="0"/>
+              <a:t>Type II Error</a:t>
+            </a:r>
+          </a:p>
+          <a:p>
+            <a:pPr lvl="1"/>
+            <a:r>
+              <a:rPr lang="en-US" dirty="0" smtClean="0"/>
+              <a:t>You find no relationship when there is</a:t>
+            </a:r>
+          </a:p>
+          <a:p>
+            <a:pPr lvl="2"/>
+            <a:r>
+              <a:rPr lang="en-US" dirty="0" smtClean="0"/>
+              <a:t>Null is false, but you fail to reject</a:t>
+            </a:r>
+          </a:p>
+          <a:p>
+            <a:pPr lvl="2"/>
+            <a:r>
+              <a:rPr lang="en-US" dirty="0" smtClean="0"/>
+              <a:t>There is a relationship/difference, but you say there isn’t</a:t>
+            </a:r>
+            <a:endParaRPr lang="en-US" dirty="0"/>
+          </a:p>
+        </p:txBody>
+      </p:sp>
+    </p:spTree>
+    <p:extLst>
+      <p:ext uri="{BB962C8B-B14F-4D97-AF65-F5344CB8AC3E}">
+        <p14:creationId xmlns:p14="http://schemas.microsoft.com/office/powerpoint/2010/main" val="745042160"/>
+      </p:ext>
+    </p:extLst>
+  </p:cSld>
+  <p:clrMapOvr>
+    <a:masterClrMapping/>
+  </p:clrMapOvr>
+  <mc:AlternateContent xmlns:mc="http://schemas.openxmlformats.org/markup-compatibility/2006" xmlns:p14="http://schemas.microsoft.com/office/powerpoint/2010/main">
+    <mc:Choice Requires="p14">
+      <p:transition spd="med" p14:dur="700">
+        <p:fade/>
+      </p:transition>
+    </mc:Choice>
+    <mc:Fallback xmlns="">
+      <p:transition xmlns:p14="http://schemas.microsoft.com/office/powerpoint/2010/main" spd="med">
+        <p:fade/>
+      </p:transition>
+    </mc:Fallback>
+  </mc:AlternateContent>
+</p:sld>
+</file>
+
+<file path=ppt/slides/slide2.xml><?xml version="1.0" encoding="utf-8"?>
+<p:sld xmlns:a="http://schemas.openxmlformats.org/drawingml/2006/main" xmlns:r="http://schemas.openxmlformats.org/officeDocument/2006/relationships" xmlns:p="http://schemas.openxmlformats.org/presentationml/2006/main">
+  <p:cSld>
+    <p:spTree>
+      <p:nvGrpSpPr>
+        <p:cNvPr id="1" name=""/>
+        <p:cNvGrpSpPr/>
+        <p:nvPr/>
+      </p:nvGrpSpPr>
+      <p:grpSpPr>
+        <a:xfrm>
+          <a:off x="0" y="0"/>
+          <a:ext cx="0" cy="0"/>
+          <a:chOff x="0" y="0"/>
+          <a:chExt cx="0" cy="0"/>
+        </a:xfrm>
+      </p:grpSpPr>
+      <p:sp>
+        <p:nvSpPr>
+          <p:cNvPr id="4" name="Title 3"/>
+          <p:cNvSpPr>
+            <a:spLocks noGrp="1"/>
+          </p:cNvSpPr>
+          <p:nvPr>
+            <p:ph type="title"/>
+          </p:nvPr>
+        </p:nvSpPr>
+        <p:spPr/>
+        <p:txBody>
+          <a:bodyPr>
+            <a:noAutofit/>
+          </a:bodyPr>
+          <a:lstStyle/>
+          <a:p>
+            <a:r>
+              <a:rPr lang="en-US" sz="4000" dirty="0"/>
+              <a:t>Hypothesis Testing </a:t>
+            </a:r>
+          </a:p>
+        </p:txBody>
+      </p:sp>
+      <p:sp>
+        <p:nvSpPr>
+          <p:cNvPr id="26" name="Content Placeholder 25"/>
+          <p:cNvSpPr>
+            <a:spLocks noGrp="1"/>
+          </p:cNvSpPr>
+          <p:nvPr>
+            <p:ph sz="quarter" idx="1"/>
+          </p:nvPr>
+        </p:nvSpPr>
+        <p:spPr/>
+        <p:txBody>
+          <a:bodyPr>
+            <a:normAutofit/>
+          </a:bodyPr>
+          <a:lstStyle/>
+          <a:p>
+            <a:r>
+              <a:rPr lang="en-US" dirty="0" smtClean="0"/>
+              <a:t>Allows </a:t>
+            </a:r>
+            <a:r>
+              <a:rPr lang="en-US" dirty="0"/>
+              <a:t>us to evaluate hypotheses about population parameters based on sample </a:t>
+            </a:r>
+            <a:r>
+              <a:rPr lang="en-US" dirty="0" smtClean="0"/>
+              <a:t>statistics </a:t>
+            </a:r>
+            <a:endParaRPr lang="en-US" dirty="0"/>
+          </a:p>
+        </p:txBody>
+      </p:sp>
+    </p:spTree>
+    <p:extLst>
+      <p:ext uri="{BB962C8B-B14F-4D97-AF65-F5344CB8AC3E}">
+        <p14:creationId xmlns:p14="http://schemas.microsoft.com/office/powerpoint/2010/main" val="3053380236"/>
+      </p:ext>
+    </p:extLst>
+  </p:cSld>
+  <p:clrMapOvr>
+    <a:masterClrMapping/>
+  </p:clrMapOvr>
+  <mc:AlternateContent xmlns:mc="http://schemas.openxmlformats.org/markup-compatibility/2006" xmlns:p14="http://schemas.microsoft.com/office/powerpoint/2010/main">
+    <mc:Choice Requires="p14">
+      <p:transition spd="med" p14:dur="700">
+        <p:fade/>
+      </p:transition>
+    </mc:Choice>
+    <mc:Fallback xmlns="">
+      <p:transition xmlns:p14="http://schemas.microsoft.com/office/powerpoint/2010/main" spd="med">
+        <p:fade/>
+      </p:transition>
+    </mc:Fallback>
+  </mc:AlternateContent>
+</p:sld>
+</file>
+
+<file path=ppt/slides/slide3.xml><?xml version="1.0" encoding="utf-8"?>
+<p:sld xmlns:a="http://schemas.openxmlformats.org/drawingml/2006/main" xmlns:r="http://schemas.openxmlformats.org/officeDocument/2006/relationships" xmlns:p="http://schemas.openxmlformats.org/presentationml/2006/main">
+  <p:cSld>
+    <p:spTree>
+      <p:nvGrpSpPr>
+        <p:cNvPr id="1" name=""/>
+        <p:cNvGrpSpPr/>
+        <p:nvPr/>
+      </p:nvGrpSpPr>
+      <p:grpSpPr>
+        <a:xfrm>
+          <a:off x="0" y="0"/>
+          <a:ext cx="0" cy="0"/>
+          <a:chOff x="0" y="0"/>
+          <a:chExt cx="0" cy="0"/>
+        </a:xfrm>
+      </p:grpSpPr>
+      <p:sp>
+        <p:nvSpPr>
+          <p:cNvPr id="2" name="Title 1"/>
+          <p:cNvSpPr>
+            <a:spLocks noGrp="1"/>
+          </p:cNvSpPr>
+          <p:nvPr>
+            <p:ph type="title"/>
+          </p:nvPr>
+        </p:nvSpPr>
+        <p:spPr/>
+        <p:txBody>
+          <a:bodyPr/>
+          <a:lstStyle/>
+          <a:p>
+            <a:r>
+              <a:rPr lang="en-US" dirty="0" smtClean="0"/>
+              <a:t>Hypothesis Testing</a:t>
+            </a:r>
+            <a:endParaRPr lang="en-US" dirty="0"/>
+          </a:p>
+        </p:txBody>
+      </p:sp>
+      <p:sp>
+        <p:nvSpPr>
+          <p:cNvPr id="3" name="Content Placeholder 2"/>
+          <p:cNvSpPr>
+            <a:spLocks noGrp="1"/>
+          </p:cNvSpPr>
+          <p:nvPr>
+            <p:ph sz="quarter" idx="1"/>
+          </p:nvPr>
+        </p:nvSpPr>
+        <p:spPr/>
+        <p:txBody>
+          <a:bodyPr/>
+          <a:lstStyle/>
+          <a:p>
+            <a:r>
+              <a:rPr lang="en-US" dirty="0" smtClean="0"/>
+              <a:t>Testing the null hypothesis versus alternative </a:t>
+            </a:r>
+            <a:r>
+              <a:rPr lang="en-US" dirty="0" smtClean="0"/>
+              <a:t>hypotheses</a:t>
+            </a:r>
+          </a:p>
+          <a:p>
+            <a:endParaRPr lang="en-US" dirty="0"/>
+          </a:p>
+          <a:p>
+            <a:r>
+              <a:rPr lang="en-US" dirty="0" smtClean="0"/>
+              <a:t>We are testing whether or not the null hypothesis is true. </a:t>
+            </a:r>
+          </a:p>
+          <a:p>
+            <a:endParaRPr lang="en-US" dirty="0"/>
+          </a:p>
+          <a:p>
+            <a:r>
+              <a:rPr lang="en-US" dirty="0" smtClean="0"/>
+              <a:t>We are trying to reject the null hypotheses in favor of our research hypothesis or hypotheses</a:t>
+            </a:r>
+          </a:p>
+          <a:p>
+            <a:endParaRPr lang="en-US" dirty="0"/>
+          </a:p>
+          <a:p>
+            <a:endParaRPr lang="en-US" dirty="0"/>
+          </a:p>
+        </p:txBody>
+      </p:sp>
+    </p:spTree>
+    <p:extLst>
+      <p:ext uri="{BB962C8B-B14F-4D97-AF65-F5344CB8AC3E}">
+        <p14:creationId xmlns:p14="http://schemas.microsoft.com/office/powerpoint/2010/main" val="3958448324"/>
+      </p:ext>
+    </p:extLst>
+  </p:cSld>
+  <p:clrMapOvr>
+    <a:masterClrMapping/>
+  </p:clrMapOvr>
+  <mc:AlternateContent xmlns:mc="http://schemas.openxmlformats.org/markup-compatibility/2006" xmlns:p14="http://schemas.microsoft.com/office/powerpoint/2010/main">
+    <mc:Choice Requires="p14">
+      <p:transition spd="med" p14:dur="700">
+        <p:fade/>
+      </p:transition>
+    </mc:Choice>
+    <mc:Fallback xmlns="">
+      <p:transition xmlns:p14="http://schemas.microsoft.com/office/powerpoint/2010/main" spd="med">
+        <p:fade/>
+      </p:transition>
+    </mc:Fallback>
+  </mc:AlternateContent>
+</p:sld>
+</file>
+
+<file path=ppt/slides/slide4.xml><?xml version="1.0" encoding="utf-8"?>
+<p:sld xmlns:a="http://schemas.openxmlformats.org/drawingml/2006/main" xmlns:r="http://schemas.openxmlformats.org/officeDocument/2006/relationships" xmlns:p="http://schemas.openxmlformats.org/presentationml/2006/main">
+  <p:cSld>
+    <p:spTree>
+      <p:nvGrpSpPr>
+        <p:cNvPr id="1" name=""/>
+        <p:cNvGrpSpPr/>
+        <p:nvPr/>
+      </p:nvGrpSpPr>
+      <p:grpSpPr>
+        <a:xfrm>
+          <a:off x="0" y="0"/>
+          <a:ext cx="0" cy="0"/>
+          <a:chOff x="0" y="0"/>
+          <a:chExt cx="0" cy="0"/>
+        </a:xfrm>
+      </p:grpSpPr>
+      <p:sp>
+        <p:nvSpPr>
+          <p:cNvPr id="2" name="Title 1"/>
+          <p:cNvSpPr>
+            <a:spLocks noGrp="1"/>
+          </p:cNvSpPr>
+          <p:nvPr>
+            <p:ph type="title"/>
+          </p:nvPr>
+        </p:nvSpPr>
+        <p:spPr/>
+        <p:txBody>
+          <a:bodyPr>
+            <a:normAutofit/>
+          </a:bodyPr>
+          <a:lstStyle/>
+          <a:p>
+            <a:r>
+              <a:rPr lang="en-US" dirty="0" smtClean="0"/>
+              <a:t>The Null Hypothesis (H</a:t>
+            </a:r>
+            <a:r>
+              <a:rPr lang="en-US" baseline="-25000" dirty="0" smtClean="0"/>
+              <a:t>0</a:t>
+            </a:r>
+            <a:r>
+              <a:rPr lang="en-US" dirty="0" smtClean="0"/>
+              <a:t>)</a:t>
+            </a:r>
+            <a:endParaRPr lang="en-US" dirty="0"/>
+          </a:p>
+        </p:txBody>
+      </p:sp>
+      <p:sp>
+        <p:nvSpPr>
+          <p:cNvPr id="3" name="Content Placeholder 2"/>
+          <p:cNvSpPr>
+            <a:spLocks noGrp="1"/>
+          </p:cNvSpPr>
+          <p:nvPr>
+            <p:ph sz="quarter" idx="1"/>
+          </p:nvPr>
+        </p:nvSpPr>
+        <p:spPr/>
+        <p:txBody>
+          <a:bodyPr/>
+          <a:lstStyle/>
+          <a:p>
+            <a:r>
+              <a:rPr lang="en-US" dirty="0" smtClean="0"/>
+              <a:t>A statement that contradicts the research hypothesis</a:t>
+            </a:r>
+          </a:p>
+          <a:p>
+            <a:r>
+              <a:rPr lang="en-US" dirty="0"/>
+              <a:t>I</a:t>
+            </a:r>
+            <a:r>
+              <a:rPr lang="en-US" dirty="0" smtClean="0"/>
+              <a:t>s always expressed in terms of population </a:t>
+            </a:r>
+            <a:r>
+              <a:rPr lang="en-US" dirty="0" smtClean="0"/>
+              <a:t>parameters</a:t>
+            </a:r>
+          </a:p>
+          <a:p>
+            <a:pPr lvl="1"/>
+            <a:r>
+              <a:rPr lang="en-US" dirty="0"/>
+              <a:t>T</a:t>
+            </a:r>
+            <a:r>
+              <a:rPr lang="en-US" dirty="0" smtClean="0"/>
+              <a:t>here </a:t>
+            </a:r>
+            <a:r>
+              <a:rPr lang="en-US" dirty="0" smtClean="0"/>
+              <a:t>is “</a:t>
+            </a:r>
+            <a:r>
+              <a:rPr lang="en-US" dirty="0" smtClean="0">
+                <a:solidFill>
+                  <a:srgbClr val="FFE193"/>
+                </a:solidFill>
+              </a:rPr>
+              <a:t>no mean difference</a:t>
+            </a:r>
+            <a:r>
+              <a:rPr lang="en-US" dirty="0" smtClean="0"/>
+              <a:t>” between the population mean and the sample </a:t>
+            </a:r>
+            <a:r>
+              <a:rPr lang="en-US" dirty="0" smtClean="0"/>
+              <a:t>mean</a:t>
+            </a:r>
+          </a:p>
+          <a:p>
+            <a:pPr lvl="1"/>
+            <a:r>
+              <a:rPr lang="en-US" dirty="0" smtClean="0"/>
+              <a:t>There </a:t>
+            </a:r>
+            <a:r>
+              <a:rPr lang="en-US" dirty="0" smtClean="0"/>
+              <a:t>is </a:t>
+            </a:r>
+            <a:r>
+              <a:rPr lang="en-US" dirty="0" smtClean="0"/>
+              <a:t>“</a:t>
+            </a:r>
+            <a:r>
+              <a:rPr lang="en-US" dirty="0" smtClean="0">
+                <a:solidFill>
+                  <a:srgbClr val="FFE193"/>
+                </a:solidFill>
+              </a:rPr>
+              <a:t>no relationship</a:t>
+            </a:r>
+            <a:r>
+              <a:rPr lang="en-US" dirty="0" smtClean="0"/>
+              <a:t>” between the two </a:t>
+            </a:r>
+            <a:r>
+              <a:rPr lang="en-US" dirty="0" smtClean="0"/>
+              <a:t>variables, in the population</a:t>
+            </a:r>
+            <a:endParaRPr lang="en-US" dirty="0"/>
+          </a:p>
+        </p:txBody>
+      </p:sp>
+      <p:pic>
+        <p:nvPicPr>
+          <p:cNvPr id="4" name="Picture 3" descr="Screen Shot 2017-04-29 at 4.29.25 PM.png"/>
+          <p:cNvPicPr>
+            <a:picLocks noChangeAspect="1"/>
+          </p:cNvPicPr>
+          <p:nvPr/>
+        </p:nvPicPr>
+        <p:blipFill>
+          <a:blip r:embed="rId3">
+            <a:extLst>
+              <a:ext uri="{28A0092B-C50C-407E-A947-70E740481C1C}">
+                <a14:useLocalDpi xmlns:a14="http://schemas.microsoft.com/office/drawing/2010/main" val="0"/>
+              </a:ext>
+            </a:extLst>
+          </a:blip>
+          <a:stretch>
+            <a:fillRect/>
+          </a:stretch>
+        </p:blipFill>
+        <p:spPr>
+          <a:xfrm>
+            <a:off x="4542715" y="5082191"/>
+            <a:ext cx="2978017" cy="786646"/>
+          </a:xfrm>
+          <a:prstGeom prst="rect">
+            <a:avLst/>
+          </a:prstGeom>
+        </p:spPr>
+      </p:pic>
+    </p:spTree>
+    <p:extLst>
+      <p:ext uri="{BB962C8B-B14F-4D97-AF65-F5344CB8AC3E}">
+        <p14:creationId xmlns:p14="http://schemas.microsoft.com/office/powerpoint/2010/main" val="3440837458"/>
+      </p:ext>
+    </p:extLst>
+  </p:cSld>
+  <p:clrMapOvr>
+    <a:masterClrMapping/>
+  </p:clrMapOvr>
+  <mc:AlternateContent xmlns:mc="http://schemas.openxmlformats.org/markup-compatibility/2006" xmlns:p14="http://schemas.microsoft.com/office/powerpoint/2010/main">
+    <mc:Choice Requires="p14">
+      <p:transition spd="med" p14:dur="700">
+        <p:fade/>
+      </p:transition>
+    </mc:Choice>
+    <mc:Fallback xmlns="">
+      <p:transition xmlns:p14="http://schemas.microsoft.com/office/powerpoint/2010/main" spd="med">
+        <p:fade/>
+      </p:transition>
+    </mc:Fallback>
+  </mc:AlternateContent>
+</p:sld>
+</file>
+
+<file path=ppt/slides/slide5.xml><?xml version="1.0" encoding="utf-8"?>
+<p:sld xmlns:a="http://schemas.openxmlformats.org/drawingml/2006/main" xmlns:r="http://schemas.openxmlformats.org/officeDocument/2006/relationships" xmlns:p="http://schemas.openxmlformats.org/presentationml/2006/main">
+  <p:cSld>
+    <p:spTree>
+      <p:nvGrpSpPr>
+        <p:cNvPr id="1" name=""/>
+        <p:cNvGrpSpPr/>
+        <p:nvPr/>
+      </p:nvGrpSpPr>
+      <p:grpSpPr>
+        <a:xfrm>
+          <a:off x="0" y="0"/>
+          <a:ext cx="0" cy="0"/>
+          <a:chOff x="0" y="0"/>
+          <a:chExt cx="0" cy="0"/>
+        </a:xfrm>
+      </p:grpSpPr>
+      <p:sp>
+        <p:nvSpPr>
+          <p:cNvPr id="4" name="Title 3"/>
+          <p:cNvSpPr>
+            <a:spLocks noGrp="1"/>
+          </p:cNvSpPr>
+          <p:nvPr>
+            <p:ph type="title"/>
+          </p:nvPr>
+        </p:nvSpPr>
+        <p:spPr/>
+        <p:txBody>
+          <a:bodyPr>
+            <a:noAutofit/>
+          </a:bodyPr>
+          <a:lstStyle/>
+          <a:p>
+            <a:r>
+              <a:rPr lang="en-US" sz="4000" dirty="0"/>
+              <a:t>The Research Hypothesis (H</a:t>
+            </a:r>
+            <a:r>
+              <a:rPr lang="en-US" sz="4000" baseline="-25000" dirty="0"/>
+              <a:t>1</a:t>
+            </a:r>
+            <a:r>
+              <a:rPr lang="en-US" sz="4000" dirty="0"/>
+              <a:t>) </a:t>
+            </a:r>
+          </a:p>
+        </p:txBody>
+      </p:sp>
+      <p:sp>
+        <p:nvSpPr>
+          <p:cNvPr id="26" name="Content Placeholder 25"/>
+          <p:cNvSpPr>
+            <a:spLocks noGrp="1"/>
+          </p:cNvSpPr>
+          <p:nvPr>
+            <p:ph sz="quarter" idx="1"/>
+          </p:nvPr>
+        </p:nvSpPr>
+        <p:spPr/>
+        <p:txBody>
+          <a:bodyPr>
+            <a:normAutofit/>
+          </a:bodyPr>
+          <a:lstStyle/>
+          <a:p>
+            <a:r>
+              <a:rPr lang="en-US" dirty="0"/>
+              <a:t>A statement reflecting the substantive </a:t>
+            </a:r>
+            <a:r>
+              <a:rPr lang="en-US" dirty="0" smtClean="0"/>
+              <a:t>hypothesis </a:t>
+            </a:r>
+          </a:p>
+          <a:p>
+            <a:r>
+              <a:rPr lang="en-US" dirty="0" smtClean="0"/>
+              <a:t>Expressed in terms of population parameters</a:t>
+            </a:r>
+          </a:p>
+          <a:p>
+            <a:pPr lvl="1"/>
+            <a:r>
+              <a:rPr lang="en-US" dirty="0" smtClean="0"/>
+              <a:t>There “</a:t>
+            </a:r>
+            <a:r>
+              <a:rPr lang="en-US" dirty="0" smtClean="0">
+                <a:solidFill>
+                  <a:schemeClr val="accent1">
+                    <a:lumMod val="40000"/>
+                    <a:lumOff val="60000"/>
+                  </a:schemeClr>
+                </a:solidFill>
+              </a:rPr>
+              <a:t>is a mean difference</a:t>
+            </a:r>
+            <a:r>
+              <a:rPr lang="en-US" dirty="0" smtClean="0"/>
+              <a:t>” between the population mean and the sample mean</a:t>
+            </a:r>
+          </a:p>
+          <a:p>
+            <a:pPr lvl="1"/>
+            <a:r>
+              <a:rPr lang="en-US" dirty="0" smtClean="0"/>
+              <a:t>There “</a:t>
+            </a:r>
+            <a:r>
+              <a:rPr lang="en-US" dirty="0" smtClean="0">
+                <a:solidFill>
+                  <a:schemeClr val="accent1">
+                    <a:lumMod val="40000"/>
+                    <a:lumOff val="60000"/>
+                  </a:schemeClr>
+                </a:solidFill>
+              </a:rPr>
+              <a:t>is a [specific</a:t>
+            </a:r>
+            <a:r>
+              <a:rPr lang="en-US" dirty="0">
+                <a:solidFill>
+                  <a:schemeClr val="accent1">
+                    <a:lumMod val="40000"/>
+                    <a:lumOff val="60000"/>
+                  </a:schemeClr>
+                </a:solidFill>
+              </a:rPr>
+              <a:t>]</a:t>
+            </a:r>
+            <a:r>
+              <a:rPr lang="en-US" dirty="0" smtClean="0">
+                <a:solidFill>
+                  <a:schemeClr val="accent1">
+                    <a:lumMod val="40000"/>
+                    <a:lumOff val="60000"/>
+                  </a:schemeClr>
+                </a:solidFill>
+              </a:rPr>
+              <a:t> relationship</a:t>
+            </a:r>
+            <a:r>
+              <a:rPr lang="en-US" dirty="0" smtClean="0"/>
+              <a:t>”</a:t>
+            </a:r>
+            <a:r>
+              <a:rPr lang="en-US" dirty="0" smtClean="0">
+                <a:solidFill>
+                  <a:schemeClr val="accent1"/>
+                </a:solidFill>
+              </a:rPr>
+              <a:t> </a:t>
+            </a:r>
+            <a:r>
+              <a:rPr lang="en-US" dirty="0" smtClean="0"/>
+              <a:t>between variables in the population</a:t>
+            </a:r>
+          </a:p>
+          <a:p>
+            <a:pPr lvl="2"/>
+            <a:r>
+              <a:rPr lang="en-US" dirty="0" smtClean="0"/>
+              <a:t>Higher, lower, or not equal to</a:t>
+            </a:r>
+            <a:endParaRPr lang="en-US" dirty="0"/>
+          </a:p>
+        </p:txBody>
+      </p:sp>
+    </p:spTree>
+    <p:extLst>
+      <p:ext uri="{BB962C8B-B14F-4D97-AF65-F5344CB8AC3E}">
+        <p14:creationId xmlns:p14="http://schemas.microsoft.com/office/powerpoint/2010/main" val="2772790512"/>
+      </p:ext>
+    </p:extLst>
+  </p:cSld>
+  <p:clrMapOvr>
+    <a:masterClrMapping/>
+  </p:clrMapOvr>
+  <mc:AlternateContent xmlns:mc="http://schemas.openxmlformats.org/markup-compatibility/2006" xmlns:p14="http://schemas.microsoft.com/office/powerpoint/2010/main">
+    <mc:Choice Requires="p14">
+      <p:transition spd="med" p14:dur="700">
+        <p:fade/>
+      </p:transition>
+    </mc:Choice>
+    <mc:Fallback xmlns="">
+      <p:transition xmlns:p14="http://schemas.microsoft.com/office/powerpoint/2010/main" spd="med">
+        <p:fade/>
+      </p:transition>
+    </mc:Fallback>
+  </mc:AlternateContent>
+</p:sld>
+</file>
+
+<file path=ppt/slides/slide6.xml><?xml version="1.0" encoding="utf-8"?>
+<p:sld xmlns:a="http://schemas.openxmlformats.org/drawingml/2006/main" xmlns:r="http://schemas.openxmlformats.org/officeDocument/2006/relationships" xmlns:p="http://schemas.openxmlformats.org/presentationml/2006/main">
+  <p:cSld>
+    <p:spTree>
+      <p:nvGrpSpPr>
+        <p:cNvPr id="1" name=""/>
+        <p:cNvGrpSpPr/>
+        <p:nvPr/>
+      </p:nvGrpSpPr>
+      <p:grpSpPr>
+        <a:xfrm>
+          <a:off x="0" y="0"/>
+          <a:ext cx="0" cy="0"/>
+          <a:chOff x="0" y="0"/>
+          <a:chExt cx="0" cy="0"/>
+        </a:xfrm>
+      </p:grpSpPr>
+      <p:sp>
+        <p:nvSpPr>
+          <p:cNvPr id="2" name="Title 1"/>
+          <p:cNvSpPr>
+            <a:spLocks noGrp="1"/>
+          </p:cNvSpPr>
+          <p:nvPr>
+            <p:ph type="title"/>
+          </p:nvPr>
+        </p:nvSpPr>
+        <p:spPr/>
+        <p:txBody>
+          <a:bodyPr>
+            <a:normAutofit/>
+          </a:bodyPr>
+          <a:lstStyle/>
+          <a:p>
+            <a:r>
+              <a:rPr lang="en-US" dirty="0" smtClean="0"/>
+              <a:t>Example: The Research Hypothesis (H</a:t>
+            </a:r>
+            <a:r>
+              <a:rPr lang="en-US" baseline="-25000" dirty="0" smtClean="0"/>
+              <a:t>1</a:t>
+            </a:r>
+            <a:r>
+              <a:rPr lang="en-US" dirty="0" smtClean="0"/>
+              <a:t>) – Gas Prices</a:t>
+            </a:r>
+            <a:endParaRPr lang="en-US" dirty="0"/>
+          </a:p>
+        </p:txBody>
+      </p:sp>
+      <p:sp>
+        <p:nvSpPr>
+          <p:cNvPr id="3" name="Content Placeholder 2"/>
+          <p:cNvSpPr>
+            <a:spLocks noGrp="1"/>
+          </p:cNvSpPr>
+          <p:nvPr>
+            <p:ph sz="quarter" idx="1"/>
+          </p:nvPr>
+        </p:nvSpPr>
+        <p:spPr/>
+        <p:txBody>
+          <a:bodyPr>
+            <a:normAutofit/>
+          </a:bodyPr>
+          <a:lstStyle/>
+          <a:p>
+            <a:r>
+              <a:rPr lang="en-US" dirty="0" smtClean="0"/>
+              <a:t>The </a:t>
+            </a:r>
+            <a:r>
+              <a:rPr lang="en-US" dirty="0"/>
+              <a:t>average price of gas in California is higher than the average price of gas </a:t>
+            </a:r>
+            <a:r>
+              <a:rPr lang="en-US" dirty="0" smtClean="0"/>
+              <a:t>nationally</a:t>
+            </a:r>
+          </a:p>
+          <a:p>
+            <a:endParaRPr lang="en-US" dirty="0"/>
+          </a:p>
+        </p:txBody>
+      </p:sp>
+      <p:pic>
+        <p:nvPicPr>
+          <p:cNvPr id="22532" name="Picture 4"/>
+          <p:cNvPicPr>
+            <a:picLocks noChangeAspect="1" noChangeArrowheads="1"/>
+          </p:cNvPicPr>
+          <p:nvPr/>
+        </p:nvPicPr>
+        <p:blipFill>
+          <a:blip r:embed="rId3">
+            <a:extLst>
+              <a:ext uri="{28A0092B-C50C-407E-A947-70E740481C1C}">
+                <a14:useLocalDpi xmlns:a14="http://schemas.microsoft.com/office/drawing/2010/main" val="0"/>
+              </a:ext>
+            </a:extLst>
+          </a:blip>
+          <a:srcRect/>
+          <a:stretch>
+            <a:fillRect/>
+          </a:stretch>
+        </p:blipFill>
+        <p:spPr bwMode="auto">
+          <a:xfrm>
+            <a:off x="5031296" y="2852929"/>
+            <a:ext cx="2527842" cy="837247"/>
+          </a:xfrm>
+          <a:prstGeom prst="rect">
+            <a:avLst/>
+          </a:prstGeom>
+          <a:noFill/>
+          <a:ln>
+            <a:noFill/>
+          </a:ln>
+          <a:extLst>
+            <a:ext uri="{909E8E84-426E-40dd-AFC4-6F175D3DCCD1}">
+              <a14:hiddenFill xmlns="" xmlns:a14="http://schemas.microsoft.com/office/drawing/2010/main">
+                <a:solidFill>
+                  <a:schemeClr val="accent1"/>
+                </a:solidFill>
+              </a14:hiddenFill>
+            </a:ext>
+            <a:ext uri="{91240B29-F687-4f45-9708-019B960494DF}">
+              <a14:hiddenLine xmlns="" xmlns:a14="http://schemas.microsoft.com/office/drawing/2010/main" w="9525">
+                <a:solidFill>
+                  <a:schemeClr val="tx1"/>
+                </a:solidFill>
+                <a:miter lim="800000"/>
+                <a:headEnd/>
+                <a:tailEnd/>
+              </a14:hiddenLine>
+            </a:ext>
+          </a:extLst>
+        </p:spPr>
+      </p:pic>
+    </p:spTree>
+    <p:extLst>
+      <p:ext uri="{BB962C8B-B14F-4D97-AF65-F5344CB8AC3E}">
+        <p14:creationId xmlns:p14="http://schemas.microsoft.com/office/powerpoint/2010/main" val="3549808317"/>
+      </p:ext>
+    </p:extLst>
+  </p:cSld>
+  <p:clrMapOvr>
+    <a:masterClrMapping/>
+  </p:clrMapOvr>
+  <mc:AlternateContent xmlns:mc="http://schemas.openxmlformats.org/markup-compatibility/2006" xmlns:p14="http://schemas.microsoft.com/office/powerpoint/2010/main">
+    <mc:Choice Requires="p14">
+      <p:transition spd="med" p14:dur="700">
+        <p:fade/>
+      </p:transition>
+    </mc:Choice>
+    <mc:Fallback xmlns="">
+      <p:transition xmlns:p14="http://schemas.microsoft.com/office/powerpoint/2010/main" spd="med">
+        <p:fade/>
+      </p:transition>
+    </mc:Fallback>
+  </mc:AlternateContent>
+</p:sld>
+</file>
+
+<file path=ppt/slides/slide7.xml><?xml version="1.0" encoding="utf-8"?>
+<p:sld xmlns:a="http://schemas.openxmlformats.org/drawingml/2006/main" xmlns:r="http://schemas.openxmlformats.org/officeDocument/2006/relationships" xmlns:p="http://schemas.openxmlformats.org/presentationml/2006/main">
+  <p:cSld>
+    <p:spTree>
+      <p:nvGrpSpPr>
+        <p:cNvPr id="1" name=""/>
+        <p:cNvGrpSpPr/>
+        <p:nvPr/>
+      </p:nvGrpSpPr>
+      <p:grpSpPr>
+        <a:xfrm>
+          <a:off x="0" y="0"/>
+          <a:ext cx="0" cy="0"/>
+          <a:chOff x="0" y="0"/>
+          <a:chExt cx="0" cy="0"/>
+        </a:xfrm>
+      </p:grpSpPr>
+      <p:sp>
+        <p:nvSpPr>
+          <p:cNvPr id="2" name="Title 1"/>
+          <p:cNvSpPr>
+            <a:spLocks noGrp="1"/>
+          </p:cNvSpPr>
+          <p:nvPr>
+            <p:ph type="title"/>
+          </p:nvPr>
+        </p:nvSpPr>
+        <p:spPr/>
+        <p:txBody>
+          <a:bodyPr>
+            <a:normAutofit/>
+          </a:bodyPr>
+          <a:lstStyle/>
+          <a:p>
+            <a:r>
+              <a:rPr lang="en-US" dirty="0"/>
+              <a:t>The Research Hypothesis (H</a:t>
+            </a:r>
+            <a:r>
+              <a:rPr lang="en-US" baseline="-25000" dirty="0"/>
+              <a:t>1</a:t>
+            </a:r>
+            <a:r>
+              <a:rPr lang="en-US" dirty="0"/>
+              <a:t>) </a:t>
+            </a:r>
+          </a:p>
+        </p:txBody>
+      </p:sp>
+      <p:sp>
+        <p:nvSpPr>
+          <p:cNvPr id="3" name="Content Placeholder 2"/>
+          <p:cNvSpPr>
+            <a:spLocks noGrp="1"/>
+          </p:cNvSpPr>
+          <p:nvPr>
+            <p:ph sz="quarter" idx="1"/>
+          </p:nvPr>
+        </p:nvSpPr>
+        <p:spPr/>
+        <p:txBody>
+          <a:bodyPr>
+            <a:normAutofit/>
+          </a:bodyPr>
+          <a:lstStyle/>
+          <a:p>
+            <a:r>
+              <a:rPr lang="en-US" dirty="0" smtClean="0"/>
+              <a:t>The research hypothesis can be one of three things:</a:t>
+            </a:r>
+          </a:p>
+          <a:p>
+            <a:endParaRPr lang="en-US" dirty="0"/>
+          </a:p>
+        </p:txBody>
+      </p:sp>
+      <p:pic>
+        <p:nvPicPr>
+          <p:cNvPr id="23555" name="Picture 3"/>
+          <p:cNvPicPr>
+            <a:picLocks noChangeAspect="1" noChangeArrowheads="1"/>
+          </p:cNvPicPr>
+          <p:nvPr/>
+        </p:nvPicPr>
+        <p:blipFill>
+          <a:blip r:embed="rId3">
+            <a:extLst>
+              <a:ext uri="{28A0092B-C50C-407E-A947-70E740481C1C}">
+                <a14:useLocalDpi xmlns:a14="http://schemas.microsoft.com/office/drawing/2010/main" val="0"/>
+              </a:ext>
+            </a:extLst>
+          </a:blip>
+          <a:srcRect/>
+          <a:stretch>
+            <a:fillRect/>
+          </a:stretch>
+        </p:blipFill>
+        <p:spPr bwMode="auto">
+          <a:xfrm>
+            <a:off x="2690215" y="2867025"/>
+            <a:ext cx="5324475" cy="1509903"/>
+          </a:xfrm>
+          <a:prstGeom prst="rect">
+            <a:avLst/>
+          </a:prstGeom>
+          <a:noFill/>
+          <a:ln>
+            <a:noFill/>
+          </a:ln>
+          <a:extLst>
+            <a:ext uri="{909E8E84-426E-40dd-AFC4-6F175D3DCCD1}">
+              <a14:hiddenFill xmlns="" xmlns:a14="http://schemas.microsoft.com/office/drawing/2010/main">
+                <a:solidFill>
+                  <a:schemeClr val="accent1"/>
+                </a:solidFill>
+              </a14:hiddenFill>
+            </a:ext>
+            <a:ext uri="{91240B29-F687-4f45-9708-019B960494DF}">
+              <a14:hiddenLine xmlns="" xmlns:a14="http://schemas.microsoft.com/office/drawing/2010/main" w="9525">
+                <a:solidFill>
+                  <a:schemeClr val="tx1"/>
+                </a:solidFill>
+                <a:miter lim="800000"/>
+                <a:headEnd/>
+                <a:tailEnd/>
+              </a14:hiddenLine>
+            </a:ext>
+          </a:extLst>
+        </p:spPr>
+      </p:pic>
+      <p:sp>
+        <p:nvSpPr>
+          <p:cNvPr id="4" name="TextBox 3"/>
+          <p:cNvSpPr txBox="1"/>
+          <p:nvPr/>
+        </p:nvSpPr>
+        <p:spPr>
+          <a:xfrm>
+            <a:off x="8014690" y="2867024"/>
+            <a:ext cx="2009297" cy="1477328"/>
+          </a:xfrm>
+          <a:prstGeom prst="rect">
+            <a:avLst/>
+          </a:prstGeom>
+          <a:noFill/>
+        </p:spPr>
+        <p:txBody>
+          <a:bodyPr wrap="square" rtlCol="0">
+            <a:spAutoFit/>
+          </a:bodyPr>
+          <a:lstStyle/>
+          <a:p>
+            <a:r>
+              <a:rPr lang="en-US" dirty="0"/>
+              <a:t>Two-tailed</a:t>
+            </a:r>
+          </a:p>
+          <a:p>
+            <a:endParaRPr lang="en-US" dirty="0"/>
+          </a:p>
+          <a:p>
+            <a:r>
+              <a:rPr lang="en-US" dirty="0"/>
+              <a:t>One-tailed</a:t>
+            </a:r>
+          </a:p>
+          <a:p>
+            <a:endParaRPr lang="en-US" dirty="0"/>
+          </a:p>
+          <a:p>
+            <a:r>
+              <a:rPr lang="en-US" dirty="0"/>
+              <a:t>One-tailed</a:t>
+            </a:r>
+          </a:p>
+        </p:txBody>
+      </p:sp>
+    </p:spTree>
+    <p:extLst>
+      <p:ext uri="{BB962C8B-B14F-4D97-AF65-F5344CB8AC3E}">
+        <p14:creationId xmlns:p14="http://schemas.microsoft.com/office/powerpoint/2010/main" val="897586739"/>
+      </p:ext>
+    </p:extLst>
+  </p:cSld>
+  <p:clrMapOvr>
+    <a:masterClrMapping/>
+  </p:clrMapOvr>
+  <mc:AlternateContent xmlns:mc="http://schemas.openxmlformats.org/markup-compatibility/2006" xmlns:p14="http://schemas.microsoft.com/office/powerpoint/2010/main">
+    <mc:Choice Requires="p14">
+      <p:transition spd="med" p14:dur="700">
+        <p:fade/>
+      </p:transition>
+    </mc:Choice>
+    <mc:Fallback xmlns="">
+      <p:transition xmlns:p14="http://schemas.microsoft.com/office/powerpoint/2010/main" spd="med">
+        <p:fade/>
+      </p:transition>
+    </mc:Fallback>
+  </mc:AlternateContent>
+</p:sld>
+</file>
+
+<file path=ppt/slides/slide8.xml><?xml version="1.0" encoding="utf-8"?>
 <p:sld xmlns:a="http://schemas.openxmlformats.org/drawingml/2006/main" xmlns:r="http://schemas.openxmlformats.org/officeDocument/2006/relationships" xmlns:p="http://schemas.openxmlformats.org/presentationml/2006/main">
   <p:cSld>
     <p:spTree>
@@ -15293,2191 +17329,6 @@
 </p:sld>
 </file>
 
-<file path=ppt/slides/slide11.xml><?xml version="1.0" encoding="utf-8"?>
-<p:sld xmlns:a="http://schemas.openxmlformats.org/drawingml/2006/main" xmlns:r="http://schemas.openxmlformats.org/officeDocument/2006/relationships" xmlns:p="http://schemas.openxmlformats.org/presentationml/2006/main">
-  <p:cSld>
-    <p:spTree>
-      <p:nvGrpSpPr>
-        <p:cNvPr id="1" name=""/>
-        <p:cNvGrpSpPr/>
-        <p:nvPr/>
-      </p:nvGrpSpPr>
-      <p:grpSpPr>
-        <a:xfrm>
-          <a:off x="0" y="0"/>
-          <a:ext cx="0" cy="0"/>
-          <a:chOff x="0" y="0"/>
-          <a:chExt cx="0" cy="0"/>
-        </a:xfrm>
-      </p:grpSpPr>
-      <p:sp>
-        <p:nvSpPr>
-          <p:cNvPr id="2" name="Title 1"/>
-          <p:cNvSpPr>
-            <a:spLocks noGrp="1"/>
-          </p:cNvSpPr>
-          <p:nvPr>
-            <p:ph type="title"/>
-          </p:nvPr>
-        </p:nvSpPr>
-        <p:spPr/>
-        <p:txBody>
-          <a:bodyPr>
-            <a:normAutofit/>
-          </a:bodyPr>
-          <a:lstStyle/>
-          <a:p>
-            <a:r>
-              <a:rPr lang="en-US" dirty="0" smtClean="0"/>
-              <a:t>One-Tailed Tests</a:t>
-            </a:r>
-            <a:endParaRPr lang="en-US" dirty="0"/>
-          </a:p>
-        </p:txBody>
-      </p:sp>
-      <p:sp>
-        <p:nvSpPr>
-          <p:cNvPr id="3" name="Content Placeholder 2"/>
-          <p:cNvSpPr>
-            <a:spLocks noGrp="1"/>
-          </p:cNvSpPr>
-          <p:nvPr>
-            <p:ph sz="quarter" idx="1"/>
-          </p:nvPr>
-        </p:nvSpPr>
-        <p:spPr/>
-        <p:txBody>
-          <a:bodyPr/>
-          <a:lstStyle/>
-          <a:p>
-            <a:r>
-              <a:rPr lang="en-US" dirty="0" smtClean="0"/>
-              <a:t>Right-Tailed Test </a:t>
-            </a:r>
-            <a:endParaRPr lang="en-US" dirty="0"/>
-          </a:p>
-          <a:p>
-            <a:pPr lvl="1"/>
-            <a:r>
-              <a:rPr lang="en-US" dirty="0" smtClean="0"/>
-              <a:t>A </a:t>
-            </a:r>
-            <a:r>
-              <a:rPr lang="en-US" dirty="0"/>
-              <a:t>one-tailed test in which the sample outcome is hypothesized to be at the right tail of the sampling </a:t>
-            </a:r>
-            <a:r>
-              <a:rPr lang="en-US" dirty="0" smtClean="0"/>
-              <a:t>distribution (greater than)</a:t>
-            </a:r>
-            <a:endParaRPr lang="en-US" dirty="0"/>
-          </a:p>
-          <a:p>
-            <a:r>
-              <a:rPr lang="en-US" dirty="0" smtClean="0"/>
-              <a:t>Left-Tailed Test </a:t>
-            </a:r>
-          </a:p>
-          <a:p>
-            <a:pPr lvl="1"/>
-            <a:r>
-              <a:rPr lang="en-US" dirty="0" smtClean="0"/>
-              <a:t>A </a:t>
-            </a:r>
-            <a:r>
-              <a:rPr lang="en-US" dirty="0"/>
-              <a:t>one-tailed test in which the sample outcome is hypothesized to be at the left tail of the sampling </a:t>
-            </a:r>
-            <a:r>
-              <a:rPr lang="en-US" dirty="0" smtClean="0"/>
-              <a:t>distribution (less than)</a:t>
-            </a:r>
-            <a:endParaRPr lang="en-US" dirty="0"/>
-          </a:p>
-        </p:txBody>
-      </p:sp>
-    </p:spTree>
-    <p:extLst>
-      <p:ext uri="{BB962C8B-B14F-4D97-AF65-F5344CB8AC3E}">
-        <p14:creationId xmlns:p14="http://schemas.microsoft.com/office/powerpoint/2010/main" val="2670075482"/>
-      </p:ext>
-    </p:extLst>
-  </p:cSld>
-  <p:clrMapOvr>
-    <a:masterClrMapping/>
-  </p:clrMapOvr>
-  <mc:AlternateContent xmlns:mc="http://schemas.openxmlformats.org/markup-compatibility/2006" xmlns:p14="http://schemas.microsoft.com/office/powerpoint/2010/main">
-    <mc:Choice Requires="p14">
-      <p:transition spd="med" p14:dur="700">
-        <p:fade/>
-      </p:transition>
-    </mc:Choice>
-    <mc:Fallback xmlns="">
-      <p:transition xmlns:p14="http://schemas.microsoft.com/office/powerpoint/2010/main" spd="med">
-        <p:fade/>
-      </p:transition>
-    </mc:Fallback>
-  </mc:AlternateContent>
-</p:sld>
-</file>
-
-<file path=ppt/slides/slide12.xml><?xml version="1.0" encoding="utf-8"?>
-<p:sld xmlns:a="http://schemas.openxmlformats.org/drawingml/2006/main" xmlns:r="http://schemas.openxmlformats.org/officeDocument/2006/relationships" xmlns:p="http://schemas.openxmlformats.org/presentationml/2006/main">
-  <p:cSld>
-    <p:spTree>
-      <p:nvGrpSpPr>
-        <p:cNvPr id="1" name=""/>
-        <p:cNvGrpSpPr/>
-        <p:nvPr/>
-      </p:nvGrpSpPr>
-      <p:grpSpPr>
-        <a:xfrm>
-          <a:off x="0" y="0"/>
-          <a:ext cx="0" cy="0"/>
-          <a:chOff x="0" y="0"/>
-          <a:chExt cx="0" cy="0"/>
-        </a:xfrm>
-      </p:grpSpPr>
-      <p:sp>
-        <p:nvSpPr>
-          <p:cNvPr id="2" name="Title 1"/>
-          <p:cNvSpPr>
-            <a:spLocks noGrp="1"/>
-          </p:cNvSpPr>
-          <p:nvPr>
-            <p:ph type="title"/>
-          </p:nvPr>
-        </p:nvSpPr>
-        <p:spPr/>
-        <p:txBody>
-          <a:bodyPr>
-            <a:normAutofit/>
-          </a:bodyPr>
-          <a:lstStyle/>
-          <a:p>
-            <a:r>
-              <a:rPr lang="en-US" dirty="0"/>
-              <a:t>Two-Tailed </a:t>
-            </a:r>
-            <a:r>
-              <a:rPr lang="en-US" dirty="0" smtClean="0"/>
-              <a:t>Tests</a:t>
-            </a:r>
-            <a:endParaRPr lang="en-US" dirty="0"/>
-          </a:p>
-        </p:txBody>
-      </p:sp>
-      <p:sp>
-        <p:nvSpPr>
-          <p:cNvPr id="3" name="Content Placeholder 2"/>
-          <p:cNvSpPr>
-            <a:spLocks noGrp="1"/>
-          </p:cNvSpPr>
-          <p:nvPr>
-            <p:ph sz="quarter" idx="1"/>
-          </p:nvPr>
-        </p:nvSpPr>
-        <p:spPr/>
-        <p:txBody>
-          <a:bodyPr/>
-          <a:lstStyle/>
-          <a:p>
-            <a:r>
-              <a:rPr lang="en-US" dirty="0"/>
-              <a:t>A hypothesis test in which the region of rejection falls equally within both tails of the sampling </a:t>
-            </a:r>
-            <a:r>
-              <a:rPr lang="en-US" dirty="0" smtClean="0"/>
-              <a:t>distribution</a:t>
-            </a:r>
-          </a:p>
-          <a:p>
-            <a:endParaRPr lang="en-US" dirty="0"/>
-          </a:p>
-          <a:p>
-            <a:endParaRPr lang="en-US" dirty="0"/>
-          </a:p>
-        </p:txBody>
-      </p:sp>
-      <p:pic>
-        <p:nvPicPr>
-          <p:cNvPr id="4" name="Picture 3" descr="Screen Shot 2017-04-29 at 3.41.53 PM.png"/>
-          <p:cNvPicPr>
-            <a:picLocks noChangeAspect="1"/>
-          </p:cNvPicPr>
-          <p:nvPr/>
-        </p:nvPicPr>
-        <p:blipFill>
-          <a:blip r:embed="rId3">
-            <a:extLst>
-              <a:ext uri="{28A0092B-C50C-407E-A947-70E740481C1C}">
-                <a14:useLocalDpi xmlns:a14="http://schemas.microsoft.com/office/drawing/2010/main" val="0"/>
-              </a:ext>
-            </a:extLst>
-          </a:blip>
-          <a:stretch>
-            <a:fillRect/>
-          </a:stretch>
-        </p:blipFill>
-        <p:spPr>
-          <a:xfrm>
-            <a:off x="4127500" y="3632200"/>
-            <a:ext cx="3937000" cy="419100"/>
-          </a:xfrm>
-          <a:prstGeom prst="rect">
-            <a:avLst/>
-          </a:prstGeom>
-        </p:spPr>
-      </p:pic>
-    </p:spTree>
-    <p:extLst>
-      <p:ext uri="{BB962C8B-B14F-4D97-AF65-F5344CB8AC3E}">
-        <p14:creationId xmlns:p14="http://schemas.microsoft.com/office/powerpoint/2010/main" val="2065443675"/>
-      </p:ext>
-    </p:extLst>
-  </p:cSld>
-  <p:clrMapOvr>
-    <a:masterClrMapping/>
-  </p:clrMapOvr>
-  <mc:AlternateContent xmlns:mc="http://schemas.openxmlformats.org/markup-compatibility/2006" xmlns:p14="http://schemas.microsoft.com/office/powerpoint/2010/main">
-    <mc:Choice Requires="p14">
-      <p:transition spd="med" p14:dur="700">
-        <p:fade/>
-      </p:transition>
-    </mc:Choice>
-    <mc:Fallback xmlns="">
-      <p:transition xmlns:p14="http://schemas.microsoft.com/office/powerpoint/2010/main" spd="med">
-        <p:fade/>
-      </p:transition>
-    </mc:Fallback>
-  </mc:AlternateContent>
-</p:sld>
-</file>
-
-<file path=ppt/slides/slide13.xml><?xml version="1.0" encoding="utf-8"?>
-<p:sld xmlns:a="http://schemas.openxmlformats.org/drawingml/2006/main" xmlns:r="http://schemas.openxmlformats.org/officeDocument/2006/relationships" xmlns:p="http://schemas.openxmlformats.org/presentationml/2006/main">
-  <p:cSld>
-    <p:spTree>
-      <p:nvGrpSpPr>
-        <p:cNvPr id="1" name=""/>
-        <p:cNvGrpSpPr/>
-        <p:nvPr/>
-      </p:nvGrpSpPr>
-      <p:grpSpPr>
-        <a:xfrm>
-          <a:off x="0" y="0"/>
-          <a:ext cx="0" cy="0"/>
-          <a:chOff x="0" y="0"/>
-          <a:chExt cx="0" cy="0"/>
-        </a:xfrm>
-      </p:grpSpPr>
-      <p:sp>
-        <p:nvSpPr>
-          <p:cNvPr id="2" name="Title 1"/>
-          <p:cNvSpPr>
-            <a:spLocks noGrp="1"/>
-          </p:cNvSpPr>
-          <p:nvPr>
-            <p:ph type="title"/>
-          </p:nvPr>
-        </p:nvSpPr>
-        <p:spPr/>
-        <p:txBody>
-          <a:bodyPr>
-            <a:normAutofit/>
-          </a:bodyPr>
-          <a:lstStyle/>
-          <a:p>
-            <a:r>
-              <a:rPr lang="en-US" dirty="0"/>
-              <a:t>Probability </a:t>
-            </a:r>
-            <a:r>
-              <a:rPr lang="en-US" dirty="0" smtClean="0"/>
-              <a:t>Values</a:t>
-            </a:r>
-            <a:endParaRPr lang="en-US" dirty="0"/>
-          </a:p>
-        </p:txBody>
-      </p:sp>
-      <p:sp>
-        <p:nvSpPr>
-          <p:cNvPr id="3" name="Content Placeholder 2"/>
-          <p:cNvSpPr>
-            <a:spLocks noGrp="1"/>
-          </p:cNvSpPr>
-          <p:nvPr>
-            <p:ph sz="quarter" idx="1"/>
-          </p:nvPr>
-        </p:nvSpPr>
-        <p:spPr/>
-        <p:txBody>
-          <a:bodyPr>
-            <a:normAutofit/>
-          </a:bodyPr>
-          <a:lstStyle/>
-          <a:p>
-            <a:r>
-              <a:rPr lang="en-US" dirty="0"/>
-              <a:t>Z statistic </a:t>
-            </a:r>
-            <a:endParaRPr lang="en-US" dirty="0" smtClean="0"/>
-          </a:p>
-          <a:p>
-            <a:pPr lvl="1"/>
-            <a:r>
-              <a:rPr lang="en-US" dirty="0" smtClean="0"/>
-              <a:t>The </a:t>
-            </a:r>
-            <a:r>
-              <a:rPr lang="en-US" dirty="0"/>
-              <a:t>test statistic computed by converting a sample statistic </a:t>
-            </a:r>
-            <a:r>
-              <a:rPr lang="en-US" dirty="0" smtClean="0"/>
-              <a:t>to </a:t>
-            </a:r>
-            <a:r>
-              <a:rPr lang="en-US" dirty="0"/>
-              <a:t>a Z </a:t>
-            </a:r>
-            <a:r>
-              <a:rPr lang="en-US" dirty="0" smtClean="0"/>
-              <a:t>score</a:t>
-            </a:r>
-          </a:p>
-          <a:p>
-            <a:endParaRPr lang="en-US" dirty="0" smtClean="0"/>
-          </a:p>
-          <a:p>
-            <a:r>
-              <a:rPr lang="en-US" dirty="0" smtClean="0"/>
-              <a:t>P </a:t>
-            </a:r>
-            <a:r>
-              <a:rPr lang="en-US" dirty="0"/>
-              <a:t>value </a:t>
-            </a:r>
-            <a:endParaRPr lang="en-US" dirty="0" smtClean="0"/>
-          </a:p>
-          <a:p>
-            <a:pPr lvl="1"/>
-            <a:r>
-              <a:rPr lang="en-US" dirty="0" smtClean="0"/>
-              <a:t>The </a:t>
-            </a:r>
-            <a:r>
-              <a:rPr lang="en-US" dirty="0"/>
-              <a:t>probability associated with the obtained value of </a:t>
-            </a:r>
-            <a:r>
-              <a:rPr lang="en-US" dirty="0" smtClean="0"/>
-              <a:t>Z</a:t>
-            </a:r>
-            <a:endParaRPr lang="en-US" dirty="0"/>
-          </a:p>
-        </p:txBody>
-      </p:sp>
-    </p:spTree>
-    <p:extLst>
-      <p:ext uri="{BB962C8B-B14F-4D97-AF65-F5344CB8AC3E}">
-        <p14:creationId xmlns:p14="http://schemas.microsoft.com/office/powerpoint/2010/main" val="2487343424"/>
-      </p:ext>
-    </p:extLst>
-  </p:cSld>
-  <p:clrMapOvr>
-    <a:masterClrMapping/>
-  </p:clrMapOvr>
-  <mc:AlternateContent xmlns:mc="http://schemas.openxmlformats.org/markup-compatibility/2006" xmlns:p14="http://schemas.microsoft.com/office/powerpoint/2010/main">
-    <mc:Choice Requires="p14">
-      <p:transition spd="med" p14:dur="700">
-        <p:fade/>
-      </p:transition>
-    </mc:Choice>
-    <mc:Fallback xmlns="">
-      <p:transition xmlns:p14="http://schemas.microsoft.com/office/powerpoint/2010/main" spd="med">
-        <p:fade/>
-      </p:transition>
-    </mc:Fallback>
-  </mc:AlternateContent>
-</p:sld>
-</file>
-
-<file path=ppt/slides/slide14.xml><?xml version="1.0" encoding="utf-8"?>
-<p:sld xmlns:a="http://schemas.openxmlformats.org/drawingml/2006/main" xmlns:r="http://schemas.openxmlformats.org/officeDocument/2006/relationships" xmlns:p="http://schemas.openxmlformats.org/presentationml/2006/main">
-  <p:cSld>
-    <p:spTree>
-      <p:nvGrpSpPr>
-        <p:cNvPr id="1" name=""/>
-        <p:cNvGrpSpPr/>
-        <p:nvPr/>
-      </p:nvGrpSpPr>
-      <p:grpSpPr>
-        <a:xfrm>
-          <a:off x="0" y="0"/>
-          <a:ext cx="0" cy="0"/>
-          <a:chOff x="0" y="0"/>
-          <a:chExt cx="0" cy="0"/>
-        </a:xfrm>
-      </p:grpSpPr>
-      <p:sp>
-        <p:nvSpPr>
-          <p:cNvPr id="2" name="Title 1"/>
-          <p:cNvSpPr>
-            <a:spLocks noGrp="1"/>
-          </p:cNvSpPr>
-          <p:nvPr>
-            <p:ph type="title"/>
-          </p:nvPr>
-        </p:nvSpPr>
-        <p:spPr/>
-        <p:txBody>
-          <a:bodyPr>
-            <a:normAutofit/>
-          </a:bodyPr>
-          <a:lstStyle/>
-          <a:p>
-            <a:r>
-              <a:rPr lang="en-US" dirty="0"/>
-              <a:t>Probability </a:t>
-            </a:r>
-            <a:r>
-              <a:rPr lang="en-US" dirty="0" smtClean="0"/>
-              <a:t>Values</a:t>
-            </a:r>
-            <a:endParaRPr lang="en-US" dirty="0"/>
-          </a:p>
-        </p:txBody>
-      </p:sp>
-      <p:sp>
-        <p:nvSpPr>
-          <p:cNvPr id="3" name="Content Placeholder 2"/>
-          <p:cNvSpPr>
-            <a:spLocks noGrp="1"/>
-          </p:cNvSpPr>
-          <p:nvPr>
-            <p:ph sz="quarter" idx="1"/>
-          </p:nvPr>
-        </p:nvSpPr>
-        <p:spPr/>
-        <p:txBody>
-          <a:bodyPr>
-            <a:normAutofit/>
-          </a:bodyPr>
-          <a:lstStyle/>
-          <a:p>
-            <a:r>
-              <a:rPr lang="en-US" dirty="0" smtClean="0"/>
-              <a:t>When we are comparing our statistic to a population parameter, we modify the Z-score formula</a:t>
-            </a:r>
-          </a:p>
-          <a:p>
-            <a:endParaRPr lang="en-US" dirty="0"/>
-          </a:p>
-        </p:txBody>
-      </p:sp>
-      <p:pic>
-        <p:nvPicPr>
-          <p:cNvPr id="5" name="Picture 4" descr="Screen Shot 2017-04-29 at 5.02.08 PM.png"/>
-          <p:cNvPicPr>
-            <a:picLocks noChangeAspect="1"/>
-          </p:cNvPicPr>
-          <p:nvPr/>
-        </p:nvPicPr>
-        <p:blipFill>
-          <a:blip r:embed="rId3">
-            <a:extLst>
-              <a:ext uri="{28A0092B-C50C-407E-A947-70E740481C1C}">
-                <a14:useLocalDpi xmlns:a14="http://schemas.microsoft.com/office/drawing/2010/main" val="0"/>
-              </a:ext>
-            </a:extLst>
-          </a:blip>
-          <a:stretch>
-            <a:fillRect/>
-          </a:stretch>
-        </p:blipFill>
-        <p:spPr>
-          <a:xfrm>
-            <a:off x="4765449" y="3964887"/>
-            <a:ext cx="2668673" cy="1307105"/>
-          </a:xfrm>
-          <a:prstGeom prst="rect">
-            <a:avLst/>
-          </a:prstGeom>
-        </p:spPr>
-      </p:pic>
-    </p:spTree>
-    <p:extLst>
-      <p:ext uri="{BB962C8B-B14F-4D97-AF65-F5344CB8AC3E}">
-        <p14:creationId xmlns:p14="http://schemas.microsoft.com/office/powerpoint/2010/main" val="3625347879"/>
-      </p:ext>
-    </p:extLst>
-  </p:cSld>
-  <p:clrMapOvr>
-    <a:masterClrMapping/>
-  </p:clrMapOvr>
-  <mc:AlternateContent xmlns:mc="http://schemas.openxmlformats.org/markup-compatibility/2006" xmlns:p14="http://schemas.microsoft.com/office/powerpoint/2010/main">
-    <mc:Choice Requires="p14">
-      <p:transition spd="med" p14:dur="700">
-        <p:fade/>
-      </p:transition>
-    </mc:Choice>
-    <mc:Fallback xmlns="">
-      <p:transition xmlns:p14="http://schemas.microsoft.com/office/powerpoint/2010/main" spd="med">
-        <p:fade/>
-      </p:transition>
-    </mc:Fallback>
-  </mc:AlternateContent>
-</p:sld>
-</file>
-
-<file path=ppt/slides/slide15.xml><?xml version="1.0" encoding="utf-8"?>
-<p:sld xmlns:a="http://schemas.openxmlformats.org/drawingml/2006/main" xmlns:r="http://schemas.openxmlformats.org/officeDocument/2006/relationships" xmlns:p="http://schemas.openxmlformats.org/presentationml/2006/main">
-  <p:cSld>
-    <p:spTree>
-      <p:nvGrpSpPr>
-        <p:cNvPr id="1" name=""/>
-        <p:cNvGrpSpPr/>
-        <p:nvPr/>
-      </p:nvGrpSpPr>
-      <p:grpSpPr>
-        <a:xfrm>
-          <a:off x="0" y="0"/>
-          <a:ext cx="0" cy="0"/>
-          <a:chOff x="0" y="0"/>
-          <a:chExt cx="0" cy="0"/>
-        </a:xfrm>
-      </p:grpSpPr>
-      <p:sp>
-        <p:nvSpPr>
-          <p:cNvPr id="2" name="Title 1"/>
-          <p:cNvSpPr>
-            <a:spLocks noGrp="1"/>
-          </p:cNvSpPr>
-          <p:nvPr>
-            <p:ph type="title"/>
-          </p:nvPr>
-        </p:nvSpPr>
-        <p:spPr/>
-        <p:txBody>
-          <a:bodyPr/>
-          <a:lstStyle/>
-          <a:p>
-            <a:r>
-              <a:rPr lang="en-US" dirty="0" smtClean="0"/>
-              <a:t>Example: Gas</a:t>
-            </a:r>
-            <a:endParaRPr lang="en-US" dirty="0"/>
-          </a:p>
-        </p:txBody>
-      </p:sp>
-      <p:sp>
-        <p:nvSpPr>
-          <p:cNvPr id="3" name="Content Placeholder 2"/>
-          <p:cNvSpPr>
-            <a:spLocks noGrp="1"/>
-          </p:cNvSpPr>
-          <p:nvPr>
-            <p:ph sz="quarter" idx="1"/>
-          </p:nvPr>
-        </p:nvSpPr>
-        <p:spPr/>
-        <p:txBody>
-          <a:bodyPr/>
-          <a:lstStyle/>
-          <a:p>
-            <a:r>
-              <a:rPr lang="en-US" dirty="0" smtClean="0"/>
-              <a:t>National Average Price: $3.53</a:t>
-            </a:r>
-          </a:p>
-          <a:p>
-            <a:r>
-              <a:rPr lang="en-US" dirty="0" smtClean="0"/>
-              <a:t>National Standard Deviation: $.21</a:t>
-            </a:r>
-          </a:p>
-          <a:p>
-            <a:r>
-              <a:rPr lang="en-US" dirty="0" smtClean="0"/>
-              <a:t>California Average Price (sample): $3.90</a:t>
-            </a:r>
-          </a:p>
-          <a:p>
-            <a:r>
-              <a:rPr lang="en-US" dirty="0" smtClean="0"/>
-              <a:t>California Sample Size (N): 100</a:t>
-            </a:r>
-          </a:p>
-          <a:p>
-            <a:endParaRPr lang="en-US" dirty="0"/>
-          </a:p>
-          <a:p>
-            <a:endParaRPr lang="en-US" dirty="0" smtClean="0"/>
-          </a:p>
-          <a:p>
-            <a:endParaRPr lang="en-US" dirty="0"/>
-          </a:p>
-        </p:txBody>
-      </p:sp>
-      <p:pic>
-        <p:nvPicPr>
-          <p:cNvPr id="4" name="Picture 3" descr="Screen Shot 2017-04-29 at 5.07.09 PM.png"/>
-          <p:cNvPicPr>
-            <a:picLocks noChangeAspect="1"/>
-          </p:cNvPicPr>
-          <p:nvPr/>
-        </p:nvPicPr>
-        <p:blipFill>
-          <a:blip r:embed="rId2">
-            <a:extLst>
-              <a:ext uri="{28A0092B-C50C-407E-A947-70E740481C1C}">
-                <a14:useLocalDpi xmlns:a14="http://schemas.microsoft.com/office/drawing/2010/main" val="0"/>
-              </a:ext>
-            </a:extLst>
-          </a:blip>
-          <a:stretch>
-            <a:fillRect/>
-          </a:stretch>
-        </p:blipFill>
-        <p:spPr>
-          <a:xfrm>
-            <a:off x="3620521" y="4446131"/>
-            <a:ext cx="4925820" cy="1398432"/>
-          </a:xfrm>
-          <a:prstGeom prst="rect">
-            <a:avLst/>
-          </a:prstGeom>
-        </p:spPr>
-      </p:pic>
-    </p:spTree>
-    <p:extLst>
-      <p:ext uri="{BB962C8B-B14F-4D97-AF65-F5344CB8AC3E}">
-        <p14:creationId xmlns:p14="http://schemas.microsoft.com/office/powerpoint/2010/main" val="2919968738"/>
-      </p:ext>
-    </p:extLst>
-  </p:cSld>
-  <p:clrMapOvr>
-    <a:masterClrMapping/>
-  </p:clrMapOvr>
-  <mc:AlternateContent xmlns:mc="http://schemas.openxmlformats.org/markup-compatibility/2006" xmlns:p14="http://schemas.microsoft.com/office/powerpoint/2010/main">
-    <mc:Choice Requires="p14">
-      <p:transition spd="med" p14:dur="700">
-        <p:fade/>
-      </p:transition>
-    </mc:Choice>
-    <mc:Fallback xmlns="">
-      <p:transition xmlns:p14="http://schemas.microsoft.com/office/powerpoint/2010/main" spd="med">
-        <p:fade/>
-      </p:transition>
-    </mc:Fallback>
-  </mc:AlternateContent>
-</p:sld>
-</file>
-
-<file path=ppt/slides/slide16.xml><?xml version="1.0" encoding="utf-8"?>
-<p:sld xmlns:a="http://schemas.openxmlformats.org/drawingml/2006/main" xmlns:r="http://schemas.openxmlformats.org/officeDocument/2006/relationships" xmlns:p="http://schemas.openxmlformats.org/presentationml/2006/main">
-  <p:cSld>
-    <p:spTree>
-      <p:nvGrpSpPr>
-        <p:cNvPr id="1" name=""/>
-        <p:cNvGrpSpPr/>
-        <p:nvPr/>
-      </p:nvGrpSpPr>
-      <p:grpSpPr>
-        <a:xfrm>
-          <a:off x="0" y="0"/>
-          <a:ext cx="0" cy="0"/>
-          <a:chOff x="0" y="0"/>
-          <a:chExt cx="0" cy="0"/>
-        </a:xfrm>
-      </p:grpSpPr>
-      <p:sp>
-        <p:nvSpPr>
-          <p:cNvPr id="2" name="Title 1"/>
-          <p:cNvSpPr>
-            <a:spLocks noGrp="1"/>
-          </p:cNvSpPr>
-          <p:nvPr>
-            <p:ph type="title"/>
-          </p:nvPr>
-        </p:nvSpPr>
-        <p:spPr/>
-        <p:txBody>
-          <a:bodyPr>
-            <a:normAutofit/>
-          </a:bodyPr>
-          <a:lstStyle/>
-          <a:p>
-            <a:r>
-              <a:rPr lang="en-US" dirty="0" smtClean="0"/>
-              <a:t>Probability Values</a:t>
-            </a:r>
-            <a:endParaRPr lang="en-US" dirty="0"/>
-          </a:p>
-        </p:txBody>
-      </p:sp>
-      <p:pic>
-        <p:nvPicPr>
-          <p:cNvPr id="24578" name="Picture 2"/>
-          <p:cNvPicPr>
-            <a:picLocks noChangeAspect="1" noChangeArrowheads="1"/>
-          </p:cNvPicPr>
-          <p:nvPr/>
-        </p:nvPicPr>
-        <p:blipFill>
-          <a:blip r:embed="rId3">
-            <a:extLst>
-              <a:ext uri="{28A0092B-C50C-407E-A947-70E740481C1C}">
-                <a14:useLocalDpi xmlns:a14="http://schemas.microsoft.com/office/drawing/2010/main" val="0"/>
-              </a:ext>
-            </a:extLst>
-          </a:blip>
-          <a:srcRect/>
-          <a:stretch>
-            <a:fillRect/>
-          </a:stretch>
-        </p:blipFill>
-        <p:spPr bwMode="auto">
-          <a:xfrm>
-            <a:off x="2505075" y="1995108"/>
-            <a:ext cx="7181850" cy="3648075"/>
-          </a:xfrm>
-          <a:prstGeom prst="rect">
-            <a:avLst/>
-          </a:prstGeom>
-          <a:noFill/>
-          <a:ln>
-            <a:noFill/>
-          </a:ln>
-          <a:extLst>
-            <a:ext uri="{909E8E84-426E-40dd-AFC4-6F175D3DCCD1}">
-              <a14:hiddenFill xmlns:a14="http://schemas.microsoft.com/office/drawing/2010/main" xmlns="">
-                <a:solidFill>
-                  <a:schemeClr val="accent1"/>
-                </a:solidFill>
-              </a14:hiddenFill>
-            </a:ext>
-            <a:ext uri="{91240B29-F687-4f45-9708-019B960494DF}">
-              <a14:hiddenLine xmlns:a14="http://schemas.microsoft.com/office/drawing/2010/main" xmlns="" w="9525">
-                <a:solidFill>
-                  <a:schemeClr val="tx1"/>
-                </a:solidFill>
-                <a:miter lim="800000"/>
-                <a:headEnd/>
-                <a:tailEnd/>
-              </a14:hiddenLine>
-            </a:ext>
-          </a:extLst>
-        </p:spPr>
-      </p:pic>
-    </p:spTree>
-    <p:extLst>
-      <p:ext uri="{BB962C8B-B14F-4D97-AF65-F5344CB8AC3E}">
-        <p14:creationId xmlns:p14="http://schemas.microsoft.com/office/powerpoint/2010/main" val="3695121343"/>
-      </p:ext>
-    </p:extLst>
-  </p:cSld>
-  <p:clrMapOvr>
-    <a:masterClrMapping/>
-  </p:clrMapOvr>
-  <mc:AlternateContent xmlns:mc="http://schemas.openxmlformats.org/markup-compatibility/2006" xmlns:p14="http://schemas.microsoft.com/office/powerpoint/2010/main">
-    <mc:Choice Requires="p14">
-      <p:transition spd="med" p14:dur="700">
-        <p:fade/>
-      </p:transition>
-    </mc:Choice>
-    <mc:Fallback xmlns="">
-      <p:transition xmlns:p14="http://schemas.microsoft.com/office/powerpoint/2010/main" spd="med">
-        <p:fade/>
-      </p:transition>
-    </mc:Fallback>
-  </mc:AlternateContent>
-</p:sld>
-</file>
-
-<file path=ppt/slides/slide17.xml><?xml version="1.0" encoding="utf-8"?>
-<p:sld xmlns:a="http://schemas.openxmlformats.org/drawingml/2006/main" xmlns:r="http://schemas.openxmlformats.org/officeDocument/2006/relationships" xmlns:p="http://schemas.openxmlformats.org/presentationml/2006/main">
-  <p:cSld>
-    <p:spTree>
-      <p:nvGrpSpPr>
-        <p:cNvPr id="1" name=""/>
-        <p:cNvGrpSpPr/>
-        <p:nvPr/>
-      </p:nvGrpSpPr>
-      <p:grpSpPr>
-        <a:xfrm>
-          <a:off x="0" y="0"/>
-          <a:ext cx="0" cy="0"/>
-          <a:chOff x="0" y="0"/>
-          <a:chExt cx="0" cy="0"/>
-        </a:xfrm>
-      </p:grpSpPr>
-      <p:sp>
-        <p:nvSpPr>
-          <p:cNvPr id="2" name="Title 1"/>
-          <p:cNvSpPr>
-            <a:spLocks noGrp="1"/>
-          </p:cNvSpPr>
-          <p:nvPr>
-            <p:ph type="title"/>
-          </p:nvPr>
-        </p:nvSpPr>
-        <p:spPr/>
-        <p:txBody>
-          <a:bodyPr>
-            <a:normAutofit/>
-          </a:bodyPr>
-          <a:lstStyle/>
-          <a:p>
-            <a:r>
-              <a:rPr lang="en-US" dirty="0"/>
-              <a:t>Probability </a:t>
-            </a:r>
-            <a:r>
-              <a:rPr lang="en-US" dirty="0" smtClean="0"/>
-              <a:t>Values</a:t>
-            </a:r>
-            <a:endParaRPr lang="en-US" dirty="0"/>
-          </a:p>
-        </p:txBody>
-      </p:sp>
-      <p:sp>
-        <p:nvSpPr>
-          <p:cNvPr id="3" name="Content Placeholder 2"/>
-          <p:cNvSpPr>
-            <a:spLocks noGrp="1"/>
-          </p:cNvSpPr>
-          <p:nvPr>
-            <p:ph sz="quarter" idx="1"/>
-          </p:nvPr>
-        </p:nvSpPr>
-        <p:spPr/>
-        <p:txBody>
-          <a:bodyPr/>
-          <a:lstStyle/>
-          <a:p>
-            <a:r>
-              <a:rPr lang="en-US" dirty="0"/>
-              <a:t>Alpha </a:t>
-            </a:r>
-            <a:r>
-              <a:rPr lang="en-US" dirty="0" smtClean="0"/>
-              <a:t>(</a:t>
-            </a:r>
-            <a:r>
-              <a:rPr lang="en-US" i="1" dirty="0" smtClean="0"/>
-              <a:t>a</a:t>
-            </a:r>
-            <a:r>
-              <a:rPr lang="en-US" dirty="0" smtClean="0"/>
-              <a:t>) </a:t>
-            </a:r>
-          </a:p>
-          <a:p>
-            <a:pPr lvl="1"/>
-            <a:r>
-              <a:rPr lang="en-US" dirty="0"/>
-              <a:t>The level of probability at which the null hypothesis is </a:t>
-            </a:r>
-            <a:r>
-              <a:rPr lang="en-US" dirty="0" smtClean="0"/>
-              <a:t>rejected</a:t>
-            </a:r>
-            <a:endParaRPr lang="en-US" dirty="0"/>
-          </a:p>
-          <a:p>
-            <a:pPr lvl="2"/>
-            <a:r>
-              <a:rPr lang="en-US" dirty="0" smtClean="0"/>
-              <a:t>It </a:t>
-            </a:r>
-            <a:r>
-              <a:rPr lang="en-US" dirty="0"/>
-              <a:t>is customary to set alpha at the .05, .01, </a:t>
-            </a:r>
-            <a:r>
-              <a:rPr lang="en-US" dirty="0" smtClean="0"/>
-              <a:t>or .001 level</a:t>
-            </a:r>
-          </a:p>
-          <a:p>
-            <a:pPr lvl="2"/>
-            <a:endParaRPr lang="en-US" dirty="0"/>
-          </a:p>
-          <a:p>
-            <a:pPr lvl="1"/>
-            <a:r>
-              <a:rPr lang="en-US" dirty="0" smtClean="0"/>
-              <a:t>If your obtained p-value is less that alpha (which is usually set at .05), then it’s safe to reject the null hypothesis.</a:t>
-            </a:r>
-            <a:endParaRPr lang="en-US" dirty="0"/>
-          </a:p>
-        </p:txBody>
-      </p:sp>
-    </p:spTree>
-    <p:extLst>
-      <p:ext uri="{BB962C8B-B14F-4D97-AF65-F5344CB8AC3E}">
-        <p14:creationId xmlns:p14="http://schemas.microsoft.com/office/powerpoint/2010/main" val="1794262038"/>
-      </p:ext>
-    </p:extLst>
-  </p:cSld>
-  <p:clrMapOvr>
-    <a:masterClrMapping/>
-  </p:clrMapOvr>
-  <mc:AlternateContent xmlns:mc="http://schemas.openxmlformats.org/markup-compatibility/2006" xmlns:p14="http://schemas.microsoft.com/office/powerpoint/2010/main">
-    <mc:Choice Requires="p14">
-      <p:transition spd="med" p14:dur="700">
-        <p:fade/>
-      </p:transition>
-    </mc:Choice>
-    <mc:Fallback xmlns="">
-      <p:transition xmlns:p14="http://schemas.microsoft.com/office/powerpoint/2010/main" spd="med">
-        <p:fade/>
-      </p:transition>
-    </mc:Fallback>
-  </mc:AlternateContent>
-</p:sld>
-</file>
-
-<file path=ppt/slides/slide18.xml><?xml version="1.0" encoding="utf-8"?>
-<p:sld xmlns:a="http://schemas.openxmlformats.org/drawingml/2006/main" xmlns:r="http://schemas.openxmlformats.org/officeDocument/2006/relationships" xmlns:p="http://schemas.openxmlformats.org/presentationml/2006/main">
-  <p:cSld>
-    <p:spTree>
-      <p:nvGrpSpPr>
-        <p:cNvPr id="1" name=""/>
-        <p:cNvGrpSpPr/>
-        <p:nvPr/>
-      </p:nvGrpSpPr>
-      <p:grpSpPr>
-        <a:xfrm>
-          <a:off x="0" y="0"/>
-          <a:ext cx="0" cy="0"/>
-          <a:chOff x="0" y="0"/>
-          <a:chExt cx="0" cy="0"/>
-        </a:xfrm>
-      </p:grpSpPr>
-      <p:sp>
-        <p:nvSpPr>
-          <p:cNvPr id="4" name="Title 3"/>
-          <p:cNvSpPr>
-            <a:spLocks noGrp="1"/>
-          </p:cNvSpPr>
-          <p:nvPr>
-            <p:ph type="title"/>
-          </p:nvPr>
-        </p:nvSpPr>
-        <p:spPr/>
-        <p:txBody>
-          <a:bodyPr>
-            <a:noAutofit/>
-          </a:bodyPr>
-          <a:lstStyle/>
-          <a:p>
-            <a:r>
-              <a:rPr lang="en-US" sz="4000" dirty="0"/>
-              <a:t>Hypothesis Testing Steps</a:t>
-            </a:r>
-            <a:endParaRPr lang="en-US" sz="4000" dirty="0"/>
-          </a:p>
-        </p:txBody>
-      </p:sp>
-      <p:sp>
-        <p:nvSpPr>
-          <p:cNvPr id="2" name="Content Placeholder 1"/>
-          <p:cNvSpPr>
-            <a:spLocks noGrp="1"/>
-          </p:cNvSpPr>
-          <p:nvPr>
-            <p:ph sz="quarter" idx="1"/>
-          </p:nvPr>
-        </p:nvSpPr>
-        <p:spPr/>
-        <p:txBody>
-          <a:bodyPr/>
-          <a:lstStyle/>
-          <a:p>
-            <a:pPr marL="514350" indent="-514350">
-              <a:buFont typeface="+mj-lt"/>
-              <a:buAutoNum type="arabicPeriod"/>
-            </a:pPr>
-            <a:r>
-              <a:rPr lang="en-US" sz="2800" dirty="0"/>
-              <a:t>A</a:t>
-            </a:r>
-            <a:r>
-              <a:rPr lang="en-US" sz="2800" dirty="0"/>
-              <a:t>ssumptions</a:t>
-            </a:r>
-            <a:endParaRPr lang="en-US" sz="2800" dirty="0"/>
-          </a:p>
-          <a:p>
-            <a:pPr marL="514350" indent="-514350">
-              <a:buFont typeface="+mj-lt"/>
-              <a:buAutoNum type="arabicPeriod"/>
-            </a:pPr>
-            <a:r>
-              <a:rPr lang="en-US" sz="2800" dirty="0"/>
-              <a:t>Stating research </a:t>
-            </a:r>
-            <a:r>
-              <a:rPr lang="en-US" sz="2800" dirty="0"/>
-              <a:t>and null </a:t>
-            </a:r>
-            <a:r>
-              <a:rPr lang="en-US" sz="2800" dirty="0"/>
-              <a:t>hypotheses, selecting alpha</a:t>
-            </a:r>
-          </a:p>
-          <a:p>
-            <a:pPr marL="514350" indent="-514350">
-              <a:buFont typeface="+mj-lt"/>
-              <a:buAutoNum type="arabicPeriod"/>
-            </a:pPr>
-            <a:r>
-              <a:rPr lang="en-US" sz="2800" dirty="0"/>
-              <a:t>Selecting </a:t>
-            </a:r>
-            <a:r>
-              <a:rPr lang="en-US" sz="2800" dirty="0"/>
-              <a:t>the sampling distribution and specifying the test statistic</a:t>
-            </a:r>
-          </a:p>
-          <a:p>
-            <a:pPr marL="514350" indent="-514350">
-              <a:buFont typeface="+mj-lt"/>
-              <a:buAutoNum type="arabicPeriod"/>
-            </a:pPr>
-            <a:r>
-              <a:rPr lang="en-US" sz="2800" dirty="0"/>
-              <a:t>Computing </a:t>
-            </a:r>
-            <a:r>
-              <a:rPr lang="en-US" sz="2800" dirty="0"/>
-              <a:t>the test statistic</a:t>
-            </a:r>
-          </a:p>
-          <a:p>
-            <a:pPr marL="514350" indent="-514350">
-              <a:buFont typeface="+mj-lt"/>
-              <a:buAutoNum type="arabicPeriod"/>
-            </a:pPr>
-            <a:r>
-              <a:rPr lang="en-US" sz="2800" dirty="0"/>
-              <a:t>Making </a:t>
-            </a:r>
-            <a:r>
-              <a:rPr lang="en-US" sz="2800" dirty="0"/>
-              <a:t>a decision and interpr</a:t>
-            </a:r>
-            <a:r>
-              <a:rPr lang="en-US" dirty="0"/>
-              <a:t>eting the results</a:t>
-            </a:r>
-          </a:p>
-          <a:p>
-            <a:endParaRPr lang="en-US" dirty="0"/>
-          </a:p>
-        </p:txBody>
-      </p:sp>
-    </p:spTree>
-    <p:extLst>
-      <p:ext uri="{BB962C8B-B14F-4D97-AF65-F5344CB8AC3E}">
-        <p14:creationId xmlns:p14="http://schemas.microsoft.com/office/powerpoint/2010/main" val="3631576732"/>
-      </p:ext>
-    </p:extLst>
-  </p:cSld>
-  <p:clrMapOvr>
-    <a:masterClrMapping/>
-  </p:clrMapOvr>
-  <mc:AlternateContent xmlns:mc="http://schemas.openxmlformats.org/markup-compatibility/2006" xmlns:p14="http://schemas.microsoft.com/office/powerpoint/2010/main">
-    <mc:Choice Requires="p14">
-      <p:transition spd="med" p14:dur="700">
-        <p:fade/>
-      </p:transition>
-    </mc:Choice>
-    <mc:Fallback xmlns="">
-      <p:transition xmlns:p14="http://schemas.microsoft.com/office/powerpoint/2010/main" spd="med">
-        <p:fade/>
-      </p:transition>
-    </mc:Fallback>
-  </mc:AlternateContent>
-</p:sld>
-</file>
-
-<file path=ppt/slides/slide19.xml><?xml version="1.0" encoding="utf-8"?>
-<p:sld xmlns:a="http://schemas.openxmlformats.org/drawingml/2006/main" xmlns:r="http://schemas.openxmlformats.org/officeDocument/2006/relationships" xmlns:p="http://schemas.openxmlformats.org/presentationml/2006/main">
-  <p:cSld>
-    <p:spTree>
-      <p:nvGrpSpPr>
-        <p:cNvPr id="1" name=""/>
-        <p:cNvGrpSpPr/>
-        <p:nvPr/>
-      </p:nvGrpSpPr>
-      <p:grpSpPr>
-        <a:xfrm>
-          <a:off x="0" y="0"/>
-          <a:ext cx="0" cy="0"/>
-          <a:chOff x="0" y="0"/>
-          <a:chExt cx="0" cy="0"/>
-        </a:xfrm>
-      </p:grpSpPr>
-      <p:sp>
-        <p:nvSpPr>
-          <p:cNvPr id="4" name="Title 3"/>
-          <p:cNvSpPr>
-            <a:spLocks noGrp="1"/>
-          </p:cNvSpPr>
-          <p:nvPr>
-            <p:ph type="title"/>
-          </p:nvPr>
-        </p:nvSpPr>
-        <p:spPr/>
-        <p:txBody>
-          <a:bodyPr>
-            <a:noAutofit/>
-          </a:bodyPr>
-          <a:lstStyle/>
-          <a:p>
-            <a:r>
-              <a:rPr lang="en-US" sz="4000" dirty="0"/>
-              <a:t>Hypothesis Testing</a:t>
-            </a:r>
-            <a:endParaRPr lang="en-US" sz="4000" dirty="0"/>
-          </a:p>
-        </p:txBody>
-      </p:sp>
-      <p:sp>
-        <p:nvSpPr>
-          <p:cNvPr id="2" name="Content Placeholder 1"/>
-          <p:cNvSpPr>
-            <a:spLocks noGrp="1"/>
-          </p:cNvSpPr>
-          <p:nvPr>
-            <p:ph sz="quarter" idx="1"/>
-          </p:nvPr>
-        </p:nvSpPr>
-        <p:spPr/>
-        <p:txBody>
-          <a:bodyPr/>
-          <a:lstStyle/>
-          <a:p>
-            <a:r>
-              <a:rPr lang="en-US" dirty="0" smtClean="0"/>
-              <a:t>Type I </a:t>
-            </a:r>
-            <a:r>
-              <a:rPr lang="en-US" dirty="0" smtClean="0"/>
-              <a:t>Error</a:t>
-            </a:r>
-          </a:p>
-          <a:p>
-            <a:pPr lvl="1"/>
-            <a:r>
-              <a:rPr lang="en-US" dirty="0" smtClean="0"/>
-              <a:t>You find relationship when there isn’t</a:t>
-            </a:r>
-            <a:endParaRPr lang="en-US" dirty="0" smtClean="0"/>
-          </a:p>
-          <a:p>
-            <a:pPr lvl="2"/>
-            <a:r>
-              <a:rPr lang="en-US" dirty="0" smtClean="0"/>
-              <a:t>Null is true, but you reject it</a:t>
-            </a:r>
-          </a:p>
-          <a:p>
-            <a:pPr lvl="2"/>
-            <a:r>
-              <a:rPr lang="en-US" dirty="0" smtClean="0"/>
-              <a:t>No relationship/no difference, but you say there is</a:t>
-            </a:r>
-          </a:p>
-          <a:p>
-            <a:r>
-              <a:rPr lang="en-US" dirty="0" smtClean="0"/>
-              <a:t>Type II </a:t>
-            </a:r>
-            <a:r>
-              <a:rPr lang="en-US" dirty="0" smtClean="0"/>
-              <a:t>Error</a:t>
-            </a:r>
-          </a:p>
-          <a:p>
-            <a:pPr lvl="1"/>
-            <a:r>
-              <a:rPr lang="en-US" dirty="0" smtClean="0"/>
-              <a:t>You find no relationship when there is</a:t>
-            </a:r>
-            <a:endParaRPr lang="en-US" dirty="0" smtClean="0"/>
-          </a:p>
-          <a:p>
-            <a:pPr lvl="2"/>
-            <a:r>
-              <a:rPr lang="en-US" dirty="0" smtClean="0"/>
-              <a:t>Null is false, but you fail to reject</a:t>
-            </a:r>
-          </a:p>
-          <a:p>
-            <a:pPr lvl="2"/>
-            <a:r>
-              <a:rPr lang="en-US" dirty="0" smtClean="0"/>
-              <a:t>There is a relationship/difference, but you say there isn’t</a:t>
-            </a:r>
-            <a:endParaRPr lang="en-US" dirty="0"/>
-          </a:p>
-        </p:txBody>
-      </p:sp>
-    </p:spTree>
-    <p:extLst>
-      <p:ext uri="{BB962C8B-B14F-4D97-AF65-F5344CB8AC3E}">
-        <p14:creationId xmlns:p14="http://schemas.microsoft.com/office/powerpoint/2010/main" val="745042160"/>
-      </p:ext>
-    </p:extLst>
-  </p:cSld>
-  <p:clrMapOvr>
-    <a:masterClrMapping/>
-  </p:clrMapOvr>
-  <mc:AlternateContent xmlns:mc="http://schemas.openxmlformats.org/markup-compatibility/2006" xmlns:p14="http://schemas.microsoft.com/office/powerpoint/2010/main">
-    <mc:Choice Requires="p14">
-      <p:transition spd="med" p14:dur="700">
-        <p:fade/>
-      </p:transition>
-    </mc:Choice>
-    <mc:Fallback xmlns="">
-      <p:transition xmlns:p14="http://schemas.microsoft.com/office/powerpoint/2010/main" spd="med">
-        <p:fade/>
-      </p:transition>
-    </mc:Fallback>
-  </mc:AlternateContent>
-</p:sld>
-</file>
-
-<file path=ppt/slides/slide2.xml><?xml version="1.0" encoding="utf-8"?>
-<p:sld xmlns:a="http://schemas.openxmlformats.org/drawingml/2006/main" xmlns:r="http://schemas.openxmlformats.org/officeDocument/2006/relationships" xmlns:p="http://schemas.openxmlformats.org/presentationml/2006/main">
-  <p:cSld>
-    <p:spTree>
-      <p:nvGrpSpPr>
-        <p:cNvPr id="1" name=""/>
-        <p:cNvGrpSpPr/>
-        <p:nvPr/>
-      </p:nvGrpSpPr>
-      <p:grpSpPr>
-        <a:xfrm>
-          <a:off x="0" y="0"/>
-          <a:ext cx="0" cy="0"/>
-          <a:chOff x="0" y="0"/>
-          <a:chExt cx="0" cy="0"/>
-        </a:xfrm>
-      </p:grpSpPr>
-      <p:sp>
-        <p:nvSpPr>
-          <p:cNvPr id="4" name="Title 3"/>
-          <p:cNvSpPr>
-            <a:spLocks noGrp="1"/>
-          </p:cNvSpPr>
-          <p:nvPr>
-            <p:ph type="title"/>
-          </p:nvPr>
-        </p:nvSpPr>
-        <p:spPr/>
-        <p:txBody>
-          <a:bodyPr>
-            <a:noAutofit/>
-          </a:bodyPr>
-          <a:lstStyle/>
-          <a:p>
-            <a:r>
-              <a:rPr lang="en-US" sz="4000" dirty="0"/>
-              <a:t>Example: Average Gas Prices</a:t>
-            </a:r>
-            <a:endParaRPr lang="en-US" sz="4000" dirty="0"/>
-          </a:p>
-        </p:txBody>
-      </p:sp>
-      <p:sp>
-        <p:nvSpPr>
-          <p:cNvPr id="26" name="Content Placeholder 25"/>
-          <p:cNvSpPr>
-            <a:spLocks noGrp="1"/>
-          </p:cNvSpPr>
-          <p:nvPr>
-            <p:ph sz="quarter" idx="1"/>
-          </p:nvPr>
-        </p:nvSpPr>
-        <p:spPr/>
-        <p:txBody>
-          <a:bodyPr>
-            <a:normAutofit/>
-          </a:bodyPr>
-          <a:lstStyle/>
-          <a:p>
-            <a:r>
-              <a:rPr lang="en-US" dirty="0" smtClean="0"/>
-              <a:t>Hypothesis</a:t>
-            </a:r>
-          </a:p>
-          <a:p>
-            <a:pPr lvl="1"/>
-            <a:r>
-              <a:rPr lang="en-US" dirty="0" smtClean="0"/>
-              <a:t>The </a:t>
-            </a:r>
-            <a:r>
-              <a:rPr lang="en-US" dirty="0"/>
-              <a:t>average price of gas in California is higher than the average national price of </a:t>
-            </a:r>
-            <a:r>
-              <a:rPr lang="en-US" dirty="0" smtClean="0"/>
-              <a:t>gas</a:t>
-            </a:r>
-          </a:p>
-        </p:txBody>
-      </p:sp>
-    </p:spTree>
-    <p:extLst>
-      <p:ext uri="{BB962C8B-B14F-4D97-AF65-F5344CB8AC3E}">
-        <p14:creationId xmlns:p14="http://schemas.microsoft.com/office/powerpoint/2010/main" val="3501438415"/>
-      </p:ext>
-    </p:extLst>
-  </p:cSld>
-  <p:clrMapOvr>
-    <a:masterClrMapping/>
-  </p:clrMapOvr>
-  <mc:AlternateContent xmlns:mc="http://schemas.openxmlformats.org/markup-compatibility/2006" xmlns:p14="http://schemas.microsoft.com/office/powerpoint/2010/main">
-    <mc:Choice Requires="p14">
-      <p:transition spd="med" p14:dur="700">
-        <p:fade/>
-      </p:transition>
-    </mc:Choice>
-    <mc:Fallback xmlns="">
-      <p:transition xmlns:p14="http://schemas.microsoft.com/office/powerpoint/2010/main" spd="med">
-        <p:fade/>
-      </p:transition>
-    </mc:Fallback>
-  </mc:AlternateContent>
-</p:sld>
-</file>
-
-<file path=ppt/slides/slide3.xml><?xml version="1.0" encoding="utf-8"?>
-<p:sld xmlns:a="http://schemas.openxmlformats.org/drawingml/2006/main" xmlns:r="http://schemas.openxmlformats.org/officeDocument/2006/relationships" xmlns:p="http://schemas.openxmlformats.org/presentationml/2006/main">
-  <p:cSld>
-    <p:spTree>
-      <p:nvGrpSpPr>
-        <p:cNvPr id="1" name=""/>
-        <p:cNvGrpSpPr/>
-        <p:nvPr/>
-      </p:nvGrpSpPr>
-      <p:grpSpPr>
-        <a:xfrm>
-          <a:off x="0" y="0"/>
-          <a:ext cx="0" cy="0"/>
-          <a:chOff x="0" y="0"/>
-          <a:chExt cx="0" cy="0"/>
-        </a:xfrm>
-      </p:grpSpPr>
-      <p:sp>
-        <p:nvSpPr>
-          <p:cNvPr id="4" name="Title 3"/>
-          <p:cNvSpPr>
-            <a:spLocks noGrp="1"/>
-          </p:cNvSpPr>
-          <p:nvPr>
-            <p:ph type="title"/>
-          </p:nvPr>
-        </p:nvSpPr>
-        <p:spPr/>
-        <p:txBody>
-          <a:bodyPr>
-            <a:noAutofit/>
-          </a:bodyPr>
-          <a:lstStyle/>
-          <a:p>
-            <a:r>
-              <a:rPr lang="en-US" sz="4000" dirty="0"/>
-              <a:t>Hypothesis Testing </a:t>
-            </a:r>
-            <a:endParaRPr lang="en-US" sz="4000" dirty="0"/>
-          </a:p>
-        </p:txBody>
-      </p:sp>
-      <p:sp>
-        <p:nvSpPr>
-          <p:cNvPr id="26" name="Content Placeholder 25"/>
-          <p:cNvSpPr>
-            <a:spLocks noGrp="1"/>
-          </p:cNvSpPr>
-          <p:nvPr>
-            <p:ph sz="quarter" idx="1"/>
-          </p:nvPr>
-        </p:nvSpPr>
-        <p:spPr/>
-        <p:txBody>
-          <a:bodyPr>
-            <a:normAutofit/>
-          </a:bodyPr>
-          <a:lstStyle/>
-          <a:p>
-            <a:r>
-              <a:rPr lang="en-US" dirty="0" smtClean="0"/>
-              <a:t>Allows </a:t>
-            </a:r>
-            <a:r>
-              <a:rPr lang="en-US" dirty="0"/>
-              <a:t>us to evaluate hypotheses about population parameters based on sample </a:t>
-            </a:r>
-            <a:r>
-              <a:rPr lang="en-US" dirty="0" smtClean="0"/>
-              <a:t>statistics </a:t>
-            </a:r>
-            <a:endParaRPr lang="en-US" dirty="0"/>
-          </a:p>
-        </p:txBody>
-      </p:sp>
-    </p:spTree>
-    <p:extLst>
-      <p:ext uri="{BB962C8B-B14F-4D97-AF65-F5344CB8AC3E}">
-        <p14:creationId xmlns:p14="http://schemas.microsoft.com/office/powerpoint/2010/main" val="3053380236"/>
-      </p:ext>
-    </p:extLst>
-  </p:cSld>
-  <p:clrMapOvr>
-    <a:masterClrMapping/>
-  </p:clrMapOvr>
-  <mc:AlternateContent xmlns:mc="http://schemas.openxmlformats.org/markup-compatibility/2006" xmlns:p14="http://schemas.microsoft.com/office/powerpoint/2010/main">
-    <mc:Choice Requires="p14">
-      <p:transition spd="med" p14:dur="700">
-        <p:fade/>
-      </p:transition>
-    </mc:Choice>
-    <mc:Fallback xmlns="">
-      <p:transition xmlns:p14="http://schemas.microsoft.com/office/powerpoint/2010/main" spd="med">
-        <p:fade/>
-      </p:transition>
-    </mc:Fallback>
-  </mc:AlternateContent>
-</p:sld>
-</file>
-
-<file path=ppt/slides/slide4.xml><?xml version="1.0" encoding="utf-8"?>
-<p:sld xmlns:a="http://schemas.openxmlformats.org/drawingml/2006/main" xmlns:r="http://schemas.openxmlformats.org/officeDocument/2006/relationships" xmlns:p="http://schemas.openxmlformats.org/presentationml/2006/main">
-  <p:cSld>
-    <p:spTree>
-      <p:nvGrpSpPr>
-        <p:cNvPr id="1" name=""/>
-        <p:cNvGrpSpPr/>
-        <p:nvPr/>
-      </p:nvGrpSpPr>
-      <p:grpSpPr>
-        <a:xfrm>
-          <a:off x="0" y="0"/>
-          <a:ext cx="0" cy="0"/>
-          <a:chOff x="0" y="0"/>
-          <a:chExt cx="0" cy="0"/>
-        </a:xfrm>
-      </p:grpSpPr>
-      <p:sp>
-        <p:nvSpPr>
-          <p:cNvPr id="4" name="Title 3"/>
-          <p:cNvSpPr>
-            <a:spLocks noGrp="1"/>
-          </p:cNvSpPr>
-          <p:nvPr>
-            <p:ph type="title"/>
-          </p:nvPr>
-        </p:nvSpPr>
-        <p:spPr/>
-        <p:txBody>
-          <a:bodyPr>
-            <a:noAutofit/>
-          </a:bodyPr>
-          <a:lstStyle/>
-          <a:p>
-            <a:r>
-              <a:rPr lang="en-US" sz="4000" dirty="0"/>
-              <a:t>Hypothesis Testing </a:t>
-            </a:r>
-            <a:endParaRPr lang="en-US" sz="4000" dirty="0"/>
-          </a:p>
-        </p:txBody>
-      </p:sp>
-      <p:sp>
-        <p:nvSpPr>
-          <p:cNvPr id="26" name="Content Placeholder 25"/>
-          <p:cNvSpPr>
-            <a:spLocks noGrp="1"/>
-          </p:cNvSpPr>
-          <p:nvPr>
-            <p:ph sz="quarter" idx="1"/>
-          </p:nvPr>
-        </p:nvSpPr>
-        <p:spPr/>
-        <p:txBody>
-          <a:bodyPr>
-            <a:normAutofit/>
-          </a:bodyPr>
-          <a:lstStyle/>
-          <a:p>
-            <a:r>
-              <a:rPr lang="en-US" dirty="0" smtClean="0"/>
-              <a:t>Assumptions (that must be met)</a:t>
-            </a:r>
-          </a:p>
-          <a:p>
-            <a:pPr lvl="1"/>
-            <a:r>
-              <a:rPr lang="en-US" dirty="0" smtClean="0"/>
-              <a:t>The </a:t>
-            </a:r>
-            <a:r>
-              <a:rPr lang="en-US" dirty="0"/>
-              <a:t>sample </a:t>
-            </a:r>
-            <a:r>
-              <a:rPr lang="en-US" dirty="0" smtClean="0"/>
-              <a:t>was </a:t>
-            </a:r>
-            <a:r>
-              <a:rPr lang="en-US" dirty="0"/>
-              <a:t>randomly </a:t>
-            </a:r>
-            <a:r>
-              <a:rPr lang="en-US" dirty="0" smtClean="0"/>
-              <a:t>selected</a:t>
-            </a:r>
-            <a:endParaRPr lang="en-US" dirty="0"/>
-          </a:p>
-          <a:p>
-            <a:pPr lvl="1"/>
-            <a:r>
-              <a:rPr lang="en-US" dirty="0" smtClean="0"/>
-              <a:t>The </a:t>
-            </a:r>
-            <a:r>
-              <a:rPr lang="en-US" dirty="0"/>
-              <a:t>variable </a:t>
-            </a:r>
-            <a:r>
-              <a:rPr lang="en-US" dirty="0" smtClean="0"/>
-              <a:t>is </a:t>
-            </a:r>
-            <a:r>
-              <a:rPr lang="en-US" dirty="0"/>
-              <a:t>measured at the interval-ratio </a:t>
-            </a:r>
-            <a:r>
-              <a:rPr lang="en-US" dirty="0" smtClean="0"/>
-              <a:t>level</a:t>
-            </a:r>
-            <a:endParaRPr lang="en-US" dirty="0"/>
-          </a:p>
-          <a:p>
-            <a:pPr lvl="1"/>
-            <a:r>
-              <a:rPr lang="en-US" dirty="0" smtClean="0"/>
-              <a:t>The population </a:t>
-            </a:r>
-            <a:r>
-              <a:rPr lang="en-US" dirty="0"/>
-              <a:t>is normally </a:t>
-            </a:r>
-            <a:r>
-              <a:rPr lang="en-US" dirty="0" smtClean="0"/>
-              <a:t>distributed (assumed if sample is N&gt;50)</a:t>
-            </a:r>
-          </a:p>
-          <a:p>
-            <a:pPr marL="1200150" lvl="2" indent="-342900"/>
-            <a:endParaRPr lang="en-US" dirty="0"/>
-          </a:p>
-        </p:txBody>
-      </p:sp>
-    </p:spTree>
-    <p:extLst>
-      <p:ext uri="{BB962C8B-B14F-4D97-AF65-F5344CB8AC3E}">
-        <p14:creationId xmlns:p14="http://schemas.microsoft.com/office/powerpoint/2010/main" val="664941750"/>
-      </p:ext>
-    </p:extLst>
-  </p:cSld>
-  <p:clrMapOvr>
-    <a:masterClrMapping/>
-  </p:clrMapOvr>
-  <mc:AlternateContent xmlns:mc="http://schemas.openxmlformats.org/markup-compatibility/2006" xmlns:p14="http://schemas.microsoft.com/office/powerpoint/2010/main">
-    <mc:Choice Requires="p14">
-      <p:transition spd="med" p14:dur="700">
-        <p:fade/>
-      </p:transition>
-    </mc:Choice>
-    <mc:Fallback xmlns="">
-      <p:transition xmlns:p14="http://schemas.microsoft.com/office/powerpoint/2010/main" spd="med">
-        <p:fade/>
-      </p:transition>
-    </mc:Fallback>
-  </mc:AlternateContent>
-</p:sld>
-</file>
-
-<file path=ppt/slides/slide5.xml><?xml version="1.0" encoding="utf-8"?>
-<p:sld xmlns:a="http://schemas.openxmlformats.org/drawingml/2006/main" xmlns:r="http://schemas.openxmlformats.org/officeDocument/2006/relationships" xmlns:p="http://schemas.openxmlformats.org/presentationml/2006/main">
-  <p:cSld>
-    <p:spTree>
-      <p:nvGrpSpPr>
-        <p:cNvPr id="1" name=""/>
-        <p:cNvGrpSpPr/>
-        <p:nvPr/>
-      </p:nvGrpSpPr>
-      <p:grpSpPr>
-        <a:xfrm>
-          <a:off x="0" y="0"/>
-          <a:ext cx="0" cy="0"/>
-          <a:chOff x="0" y="0"/>
-          <a:chExt cx="0" cy="0"/>
-        </a:xfrm>
-      </p:grpSpPr>
-      <p:sp>
-        <p:nvSpPr>
-          <p:cNvPr id="2" name="Title 1"/>
-          <p:cNvSpPr>
-            <a:spLocks noGrp="1"/>
-          </p:cNvSpPr>
-          <p:nvPr>
-            <p:ph type="title"/>
-          </p:nvPr>
-        </p:nvSpPr>
-        <p:spPr/>
-        <p:txBody>
-          <a:bodyPr/>
-          <a:lstStyle/>
-          <a:p>
-            <a:r>
-              <a:rPr lang="en-US" dirty="0" smtClean="0"/>
-              <a:t>Hypothesis Testing</a:t>
-            </a:r>
-            <a:endParaRPr lang="en-US" dirty="0"/>
-          </a:p>
-        </p:txBody>
-      </p:sp>
-      <p:sp>
-        <p:nvSpPr>
-          <p:cNvPr id="3" name="Content Placeholder 2"/>
-          <p:cNvSpPr>
-            <a:spLocks noGrp="1"/>
-          </p:cNvSpPr>
-          <p:nvPr>
-            <p:ph sz="quarter" idx="1"/>
-          </p:nvPr>
-        </p:nvSpPr>
-        <p:spPr/>
-        <p:txBody>
-          <a:bodyPr/>
-          <a:lstStyle/>
-          <a:p>
-            <a:r>
-              <a:rPr lang="en-US" dirty="0" smtClean="0"/>
-              <a:t>Testing the null hypothesis versus alternative hypotheses (various research hypotheses)</a:t>
-            </a:r>
-          </a:p>
-          <a:p>
-            <a:endParaRPr lang="en-US" dirty="0"/>
-          </a:p>
-          <a:p>
-            <a:r>
-              <a:rPr lang="en-US" dirty="0" smtClean="0"/>
-              <a:t>We are testing whether or not the null hypothesis is true. </a:t>
-            </a:r>
-          </a:p>
-          <a:p>
-            <a:endParaRPr lang="en-US" dirty="0"/>
-          </a:p>
-          <a:p>
-            <a:r>
-              <a:rPr lang="en-US" dirty="0" smtClean="0"/>
-              <a:t>We are trying to reject the null hypotheses in favor of our research hypothesis or hypotheses</a:t>
-            </a:r>
-          </a:p>
-          <a:p>
-            <a:endParaRPr lang="en-US" dirty="0"/>
-          </a:p>
-          <a:p>
-            <a:endParaRPr lang="en-US" dirty="0"/>
-          </a:p>
-        </p:txBody>
-      </p:sp>
-    </p:spTree>
-    <p:extLst>
-      <p:ext uri="{BB962C8B-B14F-4D97-AF65-F5344CB8AC3E}">
-        <p14:creationId xmlns:p14="http://schemas.microsoft.com/office/powerpoint/2010/main" val="3958448324"/>
-      </p:ext>
-    </p:extLst>
-  </p:cSld>
-  <p:clrMapOvr>
-    <a:masterClrMapping/>
-  </p:clrMapOvr>
-  <mc:AlternateContent xmlns:mc="http://schemas.openxmlformats.org/markup-compatibility/2006" xmlns:p14="http://schemas.microsoft.com/office/powerpoint/2010/main">
-    <mc:Choice Requires="p14">
-      <p:transition spd="med" p14:dur="700">
-        <p:fade/>
-      </p:transition>
-    </mc:Choice>
-    <mc:Fallback xmlns="">
-      <p:transition xmlns:p14="http://schemas.microsoft.com/office/powerpoint/2010/main" spd="med">
-        <p:fade/>
-      </p:transition>
-    </mc:Fallback>
-  </mc:AlternateContent>
-</p:sld>
-</file>
-
-<file path=ppt/slides/slide6.xml><?xml version="1.0" encoding="utf-8"?>
-<p:sld xmlns:a="http://schemas.openxmlformats.org/drawingml/2006/main" xmlns:r="http://schemas.openxmlformats.org/officeDocument/2006/relationships" xmlns:p="http://schemas.openxmlformats.org/presentationml/2006/main">
-  <p:cSld>
-    <p:spTree>
-      <p:nvGrpSpPr>
-        <p:cNvPr id="1" name=""/>
-        <p:cNvGrpSpPr/>
-        <p:nvPr/>
-      </p:nvGrpSpPr>
-      <p:grpSpPr>
-        <a:xfrm>
-          <a:off x="0" y="0"/>
-          <a:ext cx="0" cy="0"/>
-          <a:chOff x="0" y="0"/>
-          <a:chExt cx="0" cy="0"/>
-        </a:xfrm>
-      </p:grpSpPr>
-      <p:sp>
-        <p:nvSpPr>
-          <p:cNvPr id="2" name="Title 1"/>
-          <p:cNvSpPr>
-            <a:spLocks noGrp="1"/>
-          </p:cNvSpPr>
-          <p:nvPr>
-            <p:ph type="title"/>
-          </p:nvPr>
-        </p:nvSpPr>
-        <p:spPr/>
-        <p:txBody>
-          <a:bodyPr>
-            <a:normAutofit/>
-          </a:bodyPr>
-          <a:lstStyle/>
-          <a:p>
-            <a:r>
-              <a:rPr lang="en-US" dirty="0" smtClean="0"/>
-              <a:t>The Null Hypothesis (H</a:t>
-            </a:r>
-            <a:r>
-              <a:rPr lang="en-US" baseline="-25000" dirty="0" smtClean="0"/>
-              <a:t>0</a:t>
-            </a:r>
-            <a:r>
-              <a:rPr lang="en-US" dirty="0" smtClean="0"/>
-              <a:t>)</a:t>
-            </a:r>
-            <a:endParaRPr lang="en-US" dirty="0"/>
-          </a:p>
-        </p:txBody>
-      </p:sp>
-      <p:sp>
-        <p:nvSpPr>
-          <p:cNvPr id="3" name="Content Placeholder 2"/>
-          <p:cNvSpPr>
-            <a:spLocks noGrp="1"/>
-          </p:cNvSpPr>
-          <p:nvPr>
-            <p:ph sz="quarter" idx="1"/>
-          </p:nvPr>
-        </p:nvSpPr>
-        <p:spPr/>
-        <p:txBody>
-          <a:bodyPr/>
-          <a:lstStyle/>
-          <a:p>
-            <a:r>
-              <a:rPr lang="en-US" dirty="0" smtClean="0"/>
-              <a:t>A statement that contradicts the research hypothesis</a:t>
-            </a:r>
-          </a:p>
-          <a:p>
-            <a:r>
-              <a:rPr lang="en-US" dirty="0"/>
-              <a:t>I</a:t>
-            </a:r>
-            <a:r>
-              <a:rPr lang="en-US" dirty="0" smtClean="0"/>
-              <a:t>s always expressed in terms of population parameters</a:t>
-            </a:r>
-          </a:p>
-          <a:p>
-            <a:r>
-              <a:rPr lang="en-US" dirty="0" smtClean="0"/>
-              <a:t>Says there is “</a:t>
-            </a:r>
-            <a:r>
-              <a:rPr lang="en-US" dirty="0" smtClean="0">
-                <a:solidFill>
-                  <a:srgbClr val="FFE193"/>
-                </a:solidFill>
-              </a:rPr>
-              <a:t>no mean difference</a:t>
-            </a:r>
-            <a:r>
-              <a:rPr lang="en-US" dirty="0" smtClean="0"/>
-              <a:t>” between the population mean and the sample mean or that there is “</a:t>
-            </a:r>
-            <a:r>
-              <a:rPr lang="en-US" dirty="0" smtClean="0">
-                <a:solidFill>
-                  <a:srgbClr val="FFE193"/>
-                </a:solidFill>
-              </a:rPr>
-              <a:t>no relationship</a:t>
-            </a:r>
-            <a:r>
-              <a:rPr lang="en-US" dirty="0" smtClean="0"/>
-              <a:t>” between the two variables</a:t>
-            </a:r>
-            <a:endParaRPr lang="en-US" dirty="0"/>
-          </a:p>
-        </p:txBody>
-      </p:sp>
-      <p:pic>
-        <p:nvPicPr>
-          <p:cNvPr id="4" name="Picture 3" descr="Screen Shot 2017-04-29 at 4.29.25 PM.png"/>
-          <p:cNvPicPr>
-            <a:picLocks noChangeAspect="1"/>
-          </p:cNvPicPr>
-          <p:nvPr/>
-        </p:nvPicPr>
-        <p:blipFill>
-          <a:blip r:embed="rId3">
-            <a:extLst>
-              <a:ext uri="{28A0092B-C50C-407E-A947-70E740481C1C}">
-                <a14:useLocalDpi xmlns:a14="http://schemas.microsoft.com/office/drawing/2010/main" val="0"/>
-              </a:ext>
-            </a:extLst>
-          </a:blip>
-          <a:stretch>
-            <a:fillRect/>
-          </a:stretch>
-        </p:blipFill>
-        <p:spPr>
-          <a:xfrm>
-            <a:off x="4542715" y="5702677"/>
-            <a:ext cx="2978017" cy="786646"/>
-          </a:xfrm>
-          <a:prstGeom prst="rect">
-            <a:avLst/>
-          </a:prstGeom>
-        </p:spPr>
-      </p:pic>
-    </p:spTree>
-    <p:extLst>
-      <p:ext uri="{BB962C8B-B14F-4D97-AF65-F5344CB8AC3E}">
-        <p14:creationId xmlns:p14="http://schemas.microsoft.com/office/powerpoint/2010/main" val="3440837458"/>
-      </p:ext>
-    </p:extLst>
-  </p:cSld>
-  <p:clrMapOvr>
-    <a:masterClrMapping/>
-  </p:clrMapOvr>
-  <mc:AlternateContent xmlns:mc="http://schemas.openxmlformats.org/markup-compatibility/2006" xmlns:p14="http://schemas.microsoft.com/office/powerpoint/2010/main">
-    <mc:Choice Requires="p14">
-      <p:transition spd="med" p14:dur="700">
-        <p:fade/>
-      </p:transition>
-    </mc:Choice>
-    <mc:Fallback xmlns="">
-      <p:transition xmlns:p14="http://schemas.microsoft.com/office/powerpoint/2010/main" spd="med">
-        <p:fade/>
-      </p:transition>
-    </mc:Fallback>
-  </mc:AlternateContent>
-</p:sld>
-</file>
-
-<file path=ppt/slides/slide7.xml><?xml version="1.0" encoding="utf-8"?>
-<p:sld xmlns:a="http://schemas.openxmlformats.org/drawingml/2006/main" xmlns:r="http://schemas.openxmlformats.org/officeDocument/2006/relationships" xmlns:p="http://schemas.openxmlformats.org/presentationml/2006/main">
-  <p:cSld>
-    <p:spTree>
-      <p:nvGrpSpPr>
-        <p:cNvPr id="1" name=""/>
-        <p:cNvGrpSpPr/>
-        <p:nvPr/>
-      </p:nvGrpSpPr>
-      <p:grpSpPr>
-        <a:xfrm>
-          <a:off x="0" y="0"/>
-          <a:ext cx="0" cy="0"/>
-          <a:chOff x="0" y="0"/>
-          <a:chExt cx="0" cy="0"/>
-        </a:xfrm>
-      </p:grpSpPr>
-      <p:sp>
-        <p:nvSpPr>
-          <p:cNvPr id="4" name="Title 3"/>
-          <p:cNvSpPr>
-            <a:spLocks noGrp="1"/>
-          </p:cNvSpPr>
-          <p:nvPr>
-            <p:ph type="title"/>
-          </p:nvPr>
-        </p:nvSpPr>
-        <p:spPr/>
-        <p:txBody>
-          <a:bodyPr>
-            <a:noAutofit/>
-          </a:bodyPr>
-          <a:lstStyle/>
-          <a:p>
-            <a:r>
-              <a:rPr lang="en-US" sz="4000" dirty="0"/>
-              <a:t>The Research Hypothesis (H</a:t>
-            </a:r>
-            <a:r>
-              <a:rPr lang="en-US" sz="4000" baseline="-25000" dirty="0"/>
-              <a:t>1</a:t>
-            </a:r>
-            <a:r>
-              <a:rPr lang="en-US" sz="4000" dirty="0"/>
-              <a:t>) </a:t>
-            </a:r>
-            <a:endParaRPr lang="en-US" sz="4000" dirty="0"/>
-          </a:p>
-        </p:txBody>
-      </p:sp>
-      <p:sp>
-        <p:nvSpPr>
-          <p:cNvPr id="26" name="Content Placeholder 25"/>
-          <p:cNvSpPr>
-            <a:spLocks noGrp="1"/>
-          </p:cNvSpPr>
-          <p:nvPr>
-            <p:ph sz="quarter" idx="1"/>
-          </p:nvPr>
-        </p:nvSpPr>
-        <p:spPr/>
-        <p:txBody>
-          <a:bodyPr>
-            <a:normAutofit/>
-          </a:bodyPr>
-          <a:lstStyle/>
-          <a:p>
-            <a:r>
-              <a:rPr lang="en-US" dirty="0"/>
-              <a:t>A statement reflecting the substantive </a:t>
-            </a:r>
-            <a:r>
-              <a:rPr lang="en-US" dirty="0" smtClean="0"/>
-              <a:t>hypothesis </a:t>
-            </a:r>
-          </a:p>
-          <a:p>
-            <a:r>
-              <a:rPr lang="en-US" dirty="0" smtClean="0"/>
-              <a:t>It </a:t>
-            </a:r>
-            <a:r>
-              <a:rPr lang="en-US" dirty="0"/>
-              <a:t>is always expressed in terms of population parameters, but its specific form varies from test to </a:t>
-            </a:r>
-            <a:r>
-              <a:rPr lang="en-US" dirty="0" smtClean="0"/>
-              <a:t>test</a:t>
-            </a:r>
-            <a:endParaRPr lang="en-US" dirty="0"/>
-          </a:p>
-        </p:txBody>
-      </p:sp>
-    </p:spTree>
-    <p:extLst>
-      <p:ext uri="{BB962C8B-B14F-4D97-AF65-F5344CB8AC3E}">
-        <p14:creationId xmlns:p14="http://schemas.microsoft.com/office/powerpoint/2010/main" val="2772790512"/>
-      </p:ext>
-    </p:extLst>
-  </p:cSld>
-  <p:clrMapOvr>
-    <a:masterClrMapping/>
-  </p:clrMapOvr>
-  <mc:AlternateContent xmlns:mc="http://schemas.openxmlformats.org/markup-compatibility/2006" xmlns:p14="http://schemas.microsoft.com/office/powerpoint/2010/main">
-    <mc:Choice Requires="p14">
-      <p:transition spd="med" p14:dur="700">
-        <p:fade/>
-      </p:transition>
-    </mc:Choice>
-    <mc:Fallback xmlns="">
-      <p:transition xmlns:p14="http://schemas.microsoft.com/office/powerpoint/2010/main" spd="med">
-        <p:fade/>
-      </p:transition>
-    </mc:Fallback>
-  </mc:AlternateContent>
-</p:sld>
-</file>
-
-<file path=ppt/slides/slide8.xml><?xml version="1.0" encoding="utf-8"?>
-<p:sld xmlns:a="http://schemas.openxmlformats.org/drawingml/2006/main" xmlns:r="http://schemas.openxmlformats.org/officeDocument/2006/relationships" xmlns:p="http://schemas.openxmlformats.org/presentationml/2006/main">
-  <p:cSld>
-    <p:spTree>
-      <p:nvGrpSpPr>
-        <p:cNvPr id="1" name=""/>
-        <p:cNvGrpSpPr/>
-        <p:nvPr/>
-      </p:nvGrpSpPr>
-      <p:grpSpPr>
-        <a:xfrm>
-          <a:off x="0" y="0"/>
-          <a:ext cx="0" cy="0"/>
-          <a:chOff x="0" y="0"/>
-          <a:chExt cx="0" cy="0"/>
-        </a:xfrm>
-      </p:grpSpPr>
-      <p:sp>
-        <p:nvSpPr>
-          <p:cNvPr id="2" name="Title 1"/>
-          <p:cNvSpPr>
-            <a:spLocks noGrp="1"/>
-          </p:cNvSpPr>
-          <p:nvPr>
-            <p:ph type="title"/>
-          </p:nvPr>
-        </p:nvSpPr>
-        <p:spPr/>
-        <p:txBody>
-          <a:bodyPr>
-            <a:normAutofit/>
-          </a:bodyPr>
-          <a:lstStyle/>
-          <a:p>
-            <a:r>
-              <a:rPr lang="en-US" dirty="0" smtClean="0"/>
-              <a:t>Example: The Research Hypothesis (H</a:t>
-            </a:r>
-            <a:r>
-              <a:rPr lang="en-US" baseline="-25000" dirty="0" smtClean="0"/>
-              <a:t>1</a:t>
-            </a:r>
-            <a:r>
-              <a:rPr lang="en-US" dirty="0" smtClean="0"/>
-              <a:t>)</a:t>
-            </a:r>
-            <a:endParaRPr lang="en-US" dirty="0"/>
-          </a:p>
-        </p:txBody>
-      </p:sp>
-      <p:sp>
-        <p:nvSpPr>
-          <p:cNvPr id="3" name="Content Placeholder 2"/>
-          <p:cNvSpPr>
-            <a:spLocks noGrp="1"/>
-          </p:cNvSpPr>
-          <p:nvPr>
-            <p:ph sz="quarter" idx="1"/>
-          </p:nvPr>
-        </p:nvSpPr>
-        <p:spPr/>
-        <p:txBody>
-          <a:bodyPr>
-            <a:normAutofit/>
-          </a:bodyPr>
-          <a:lstStyle/>
-          <a:p>
-            <a:r>
-              <a:rPr lang="en-US" dirty="0" smtClean="0"/>
-              <a:t>The </a:t>
-            </a:r>
-            <a:r>
-              <a:rPr lang="en-US" dirty="0"/>
-              <a:t>average price of gas in California is higher than the average price of gas </a:t>
-            </a:r>
-            <a:r>
-              <a:rPr lang="en-US" dirty="0" smtClean="0"/>
-              <a:t>nationally</a:t>
-            </a:r>
-          </a:p>
-          <a:p>
-            <a:endParaRPr lang="en-US" dirty="0"/>
-          </a:p>
-        </p:txBody>
-      </p:sp>
-      <p:pic>
-        <p:nvPicPr>
-          <p:cNvPr id="22532" name="Picture 4"/>
-          <p:cNvPicPr>
-            <a:picLocks noChangeAspect="1" noChangeArrowheads="1"/>
-          </p:cNvPicPr>
-          <p:nvPr/>
-        </p:nvPicPr>
-        <p:blipFill>
-          <a:blip r:embed="rId3">
-            <a:extLst>
-              <a:ext uri="{28A0092B-C50C-407E-A947-70E740481C1C}">
-                <a14:useLocalDpi xmlns:a14="http://schemas.microsoft.com/office/drawing/2010/main" val="0"/>
-              </a:ext>
-            </a:extLst>
-          </a:blip>
-          <a:srcRect/>
-          <a:stretch>
-            <a:fillRect/>
-          </a:stretch>
-        </p:blipFill>
-        <p:spPr bwMode="auto">
-          <a:xfrm>
-            <a:off x="5031296" y="2852929"/>
-            <a:ext cx="2527842" cy="837247"/>
-          </a:xfrm>
-          <a:prstGeom prst="rect">
-            <a:avLst/>
-          </a:prstGeom>
-          <a:noFill/>
-          <a:ln>
-            <a:noFill/>
-          </a:ln>
-          <a:extLst>
-            <a:ext uri="{909E8E84-426E-40dd-AFC4-6F175D3DCCD1}">
-              <a14:hiddenFill xmlns:a14="http://schemas.microsoft.com/office/drawing/2010/main" xmlns="">
-                <a:solidFill>
-                  <a:schemeClr val="accent1"/>
-                </a:solidFill>
-              </a14:hiddenFill>
-            </a:ext>
-            <a:ext uri="{91240B29-F687-4f45-9708-019B960494DF}">
-              <a14:hiddenLine xmlns:a14="http://schemas.microsoft.com/office/drawing/2010/main" xmlns="" w="9525">
-                <a:solidFill>
-                  <a:schemeClr val="tx1"/>
-                </a:solidFill>
-                <a:miter lim="800000"/>
-                <a:headEnd/>
-                <a:tailEnd/>
-              </a14:hiddenLine>
-            </a:ext>
-          </a:extLst>
-        </p:spPr>
-      </p:pic>
-    </p:spTree>
-    <p:extLst>
-      <p:ext uri="{BB962C8B-B14F-4D97-AF65-F5344CB8AC3E}">
-        <p14:creationId xmlns:p14="http://schemas.microsoft.com/office/powerpoint/2010/main" val="3549808317"/>
-      </p:ext>
-    </p:extLst>
-  </p:cSld>
-  <p:clrMapOvr>
-    <a:masterClrMapping/>
-  </p:clrMapOvr>
-  <mc:AlternateContent xmlns:mc="http://schemas.openxmlformats.org/markup-compatibility/2006" xmlns:p14="http://schemas.microsoft.com/office/powerpoint/2010/main">
-    <mc:Choice Requires="p14">
-      <p:transition spd="med" p14:dur="700">
-        <p:fade/>
-      </p:transition>
-    </mc:Choice>
-    <mc:Fallback xmlns="">
-      <p:transition xmlns:p14="http://schemas.microsoft.com/office/powerpoint/2010/main" spd="med">
-        <p:fade/>
-      </p:transition>
-    </mc:Fallback>
-  </mc:AlternateContent>
-</p:sld>
-</file>
-
 <file path=ppt/slides/slide9.xml><?xml version="1.0" encoding="utf-8"?>
 <p:sld xmlns:a="http://schemas.openxmlformats.org/drawingml/2006/main" xmlns:r="http://schemas.openxmlformats.org/officeDocument/2006/relationships" xmlns:p="http://schemas.openxmlformats.org/presentationml/2006/main">
   <p:cSld>
@@ -17513,152 +17364,78 @@
           <a:lstStyle/>
           <a:p>
             <a:r>
+              <a:rPr lang="en-US" dirty="0" smtClean="0"/>
+              <a:t>One-Tailed Tests</a:t>
+            </a:r>
+            <a:endParaRPr lang="en-US" dirty="0"/>
+          </a:p>
+        </p:txBody>
+      </p:sp>
+      <p:sp>
+        <p:nvSpPr>
+          <p:cNvPr id="3" name="Content Placeholder 2"/>
+          <p:cNvSpPr>
+            <a:spLocks noGrp="1"/>
+          </p:cNvSpPr>
+          <p:nvPr>
+            <p:ph sz="quarter" idx="1"/>
+          </p:nvPr>
+        </p:nvSpPr>
+        <p:spPr/>
+        <p:txBody>
+          <a:bodyPr/>
+          <a:lstStyle/>
+          <a:p>
+            <a:r>
+              <a:rPr lang="en-US" dirty="0" smtClean="0"/>
+              <a:t>Right-Tailed Test </a:t>
+            </a:r>
+            <a:endParaRPr lang="en-US" dirty="0"/>
+          </a:p>
+          <a:p>
+            <a:pPr lvl="1"/>
+            <a:r>
+              <a:rPr lang="en-US" dirty="0" smtClean="0"/>
+              <a:t>A </a:t>
+            </a:r>
+            <a:r>
               <a:rPr lang="en-US" dirty="0"/>
-              <a:t>The Research Hypothesis (H</a:t>
-            </a:r>
-            <a:r>
-              <a:rPr lang="en-US" baseline="-25000" dirty="0"/>
-              <a:t>1</a:t>
+              <a:t>one-tailed test in which the sample outcome is hypothesized to be at the right tail of the sampling </a:t>
+            </a:r>
+            <a:r>
+              <a:rPr lang="en-US" dirty="0" smtClean="0"/>
+              <a:t>distribution (greater than)</a:t>
+            </a:r>
+            <a:endParaRPr lang="en-US" dirty="0"/>
+          </a:p>
+          <a:p>
+            <a:r>
+              <a:rPr lang="en-US" dirty="0" smtClean="0"/>
+              <a:t>Left-Tailed Test </a:t>
+            </a:r>
+          </a:p>
+          <a:p>
+            <a:pPr lvl="1"/>
+            <a:r>
+              <a:rPr lang="en-US" dirty="0" smtClean="0"/>
+              <a:t>A </a:t>
             </a:r>
             <a:r>
               <a:rPr lang="en-US" dirty="0"/>
-              <a:t>) </a:t>
-            </a:r>
-          </a:p>
-        </p:txBody>
-      </p:sp>
-      <p:sp>
-        <p:nvSpPr>
-          <p:cNvPr id="3" name="Content Placeholder 2"/>
-          <p:cNvSpPr>
-            <a:spLocks noGrp="1"/>
-          </p:cNvSpPr>
-          <p:nvPr>
-            <p:ph sz="quarter" idx="1"/>
-          </p:nvPr>
-        </p:nvSpPr>
-        <p:spPr/>
-        <p:txBody>
-          <a:bodyPr>
-            <a:normAutofit/>
-          </a:bodyPr>
-          <a:lstStyle/>
-          <a:p>
+              <a:t>one-tailed test in which the sample outcome is hypothesized to be at the left tail of the sampling </a:t>
+            </a:r>
             <a:r>
               <a:rPr lang="en-US" dirty="0" smtClean="0"/>
-              <a:t>The research hypothesis can be one of three things:</a:t>
-            </a:r>
-          </a:p>
-          <a:p>
-            <a:endParaRPr lang="en-US" dirty="0"/>
-          </a:p>
-        </p:txBody>
-      </p:sp>
-      <p:pic>
-        <p:nvPicPr>
-          <p:cNvPr id="23555" name="Picture 3"/>
-          <p:cNvPicPr>
-            <a:picLocks noChangeAspect="1" noChangeArrowheads="1"/>
-          </p:cNvPicPr>
-          <p:nvPr/>
-        </p:nvPicPr>
-        <p:blipFill>
-          <a:blip r:embed="rId3">
-            <a:extLst>
-              <a:ext uri="{28A0092B-C50C-407E-A947-70E740481C1C}">
-                <a14:useLocalDpi xmlns:a14="http://schemas.microsoft.com/office/drawing/2010/main" val="0"/>
-              </a:ext>
-            </a:extLst>
-          </a:blip>
-          <a:srcRect/>
-          <a:stretch>
-            <a:fillRect/>
-          </a:stretch>
-        </p:blipFill>
-        <p:spPr bwMode="auto">
-          <a:xfrm>
-            <a:off x="2690215" y="2867025"/>
-            <a:ext cx="5324475" cy="1509903"/>
-          </a:xfrm>
-          <a:prstGeom prst="rect">
-            <a:avLst/>
-          </a:prstGeom>
-          <a:noFill/>
-          <a:ln>
-            <a:noFill/>
-          </a:ln>
-          <a:extLst>
-            <a:ext uri="{909E8E84-426E-40dd-AFC4-6F175D3DCCD1}">
-              <a14:hiddenFill xmlns:a14="http://schemas.microsoft.com/office/drawing/2010/main" xmlns="">
-                <a:solidFill>
-                  <a:schemeClr val="accent1"/>
-                </a:solidFill>
-              </a14:hiddenFill>
-            </a:ext>
-            <a:ext uri="{91240B29-F687-4f45-9708-019B960494DF}">
-              <a14:hiddenLine xmlns:a14="http://schemas.microsoft.com/office/drawing/2010/main" xmlns="" w="9525">
-                <a:solidFill>
-                  <a:schemeClr val="tx1"/>
-                </a:solidFill>
-                <a:miter lim="800000"/>
-                <a:headEnd/>
-                <a:tailEnd/>
-              </a14:hiddenLine>
-            </a:ext>
-          </a:extLst>
-        </p:spPr>
-      </p:pic>
-      <p:sp>
-        <p:nvSpPr>
-          <p:cNvPr id="4" name="TextBox 3"/>
-          <p:cNvSpPr txBox="1"/>
-          <p:nvPr/>
-        </p:nvSpPr>
-        <p:spPr>
-          <a:xfrm>
-            <a:off x="8014690" y="2867024"/>
-            <a:ext cx="2009297" cy="1477328"/>
-          </a:xfrm>
-          <a:prstGeom prst="rect">
-            <a:avLst/>
-          </a:prstGeom>
-          <a:noFill/>
-        </p:spPr>
-        <p:txBody>
-          <a:bodyPr wrap="square" rtlCol="0">
-            <a:spAutoFit/>
-          </a:bodyPr>
-          <a:lstStyle/>
-          <a:p>
-            <a:r>
-              <a:rPr lang="en-US" dirty="0"/>
-              <a:t>Two-tailed</a:t>
-            </a:r>
-          </a:p>
-          <a:p>
-            <a:endParaRPr lang="en-US" dirty="0"/>
-          </a:p>
-          <a:p>
-            <a:r>
-              <a:rPr lang="en-US" dirty="0"/>
-              <a:t>One-tailed</a:t>
-            </a:r>
-          </a:p>
-          <a:p>
-            <a:endParaRPr lang="en-US" dirty="0"/>
-          </a:p>
-          <a:p>
-            <a:r>
-              <a:rPr lang="en-US" dirty="0"/>
-              <a:t>One-tailed</a:t>
-            </a:r>
+              <a:t>distribution (less than)</a:t>
+            </a:r>
+            <a:endParaRPr lang="en-US" dirty="0"/>
           </a:p>
         </p:txBody>
       </p:sp>
     </p:spTree>
     <p:extLst>
       <p:ext uri="{BB962C8B-B14F-4D97-AF65-F5344CB8AC3E}">
-        <p14:creationId xmlns:p14="http://schemas.microsoft.com/office/powerpoint/2010/main" val="897586739"/>
+        <p14:creationId xmlns:p14="http://schemas.microsoft.com/office/powerpoint/2010/main" val="2670075482"/>
       </p:ext>
     </p:extLst>
   </p:cSld>
